--- a/PowerShell Script Analyzer Rules.pptx
+++ b/PowerShell Script Analyzer Rules.pptx
@@ -5,7 +5,7 @@
     <p:sldMasterId id="2147483648" r:id="rId4"/>
   </p:sldMasterIdLst>
   <p:notesMasterIdLst>
-    <p:notesMasterId r:id="rId46"/>
+    <p:notesMasterId r:id="rId47"/>
   </p:notesMasterIdLst>
   <p:sldIdLst>
     <p:sldId id="256" r:id="rId5"/>
@@ -32,23 +32,24 @@
     <p:sldId id="278" r:id="rId26"/>
     <p:sldId id="299" r:id="rId27"/>
     <p:sldId id="300" r:id="rId28"/>
-    <p:sldId id="259" r:id="rId29"/>
-    <p:sldId id="279" r:id="rId30"/>
-    <p:sldId id="298" r:id="rId31"/>
-    <p:sldId id="296" r:id="rId32"/>
-    <p:sldId id="263" r:id="rId33"/>
-    <p:sldId id="264" r:id="rId34"/>
-    <p:sldId id="265" r:id="rId35"/>
-    <p:sldId id="266" r:id="rId36"/>
-    <p:sldId id="268" r:id="rId37"/>
-    <p:sldId id="269" r:id="rId38"/>
-    <p:sldId id="270" r:id="rId39"/>
-    <p:sldId id="271" r:id="rId40"/>
-    <p:sldId id="272" r:id="rId41"/>
-    <p:sldId id="273" r:id="rId42"/>
-    <p:sldId id="274" r:id="rId43"/>
-    <p:sldId id="275" r:id="rId44"/>
-    <p:sldId id="276" r:id="rId45"/>
+    <p:sldId id="301" r:id="rId29"/>
+    <p:sldId id="259" r:id="rId30"/>
+    <p:sldId id="279" r:id="rId31"/>
+    <p:sldId id="298" r:id="rId32"/>
+    <p:sldId id="296" r:id="rId33"/>
+    <p:sldId id="263" r:id="rId34"/>
+    <p:sldId id="264" r:id="rId35"/>
+    <p:sldId id="265" r:id="rId36"/>
+    <p:sldId id="266" r:id="rId37"/>
+    <p:sldId id="268" r:id="rId38"/>
+    <p:sldId id="269" r:id="rId39"/>
+    <p:sldId id="270" r:id="rId40"/>
+    <p:sldId id="271" r:id="rId41"/>
+    <p:sldId id="272" r:id="rId42"/>
+    <p:sldId id="273" r:id="rId43"/>
+    <p:sldId id="274" r:id="rId44"/>
+    <p:sldId id="275" r:id="rId45"/>
+    <p:sldId id="276" r:id="rId46"/>
   </p:sldIdLst>
   <p:sldSz cx="12192000" cy="6858000"/>
   <p:notesSz cx="6858000" cy="9144000"/>
@@ -180,6 +181,7 @@
             <p14:sldId id="278"/>
             <p14:sldId id="299"/>
             <p14:sldId id="300"/>
+            <p14:sldId id="301"/>
           </p14:sldIdLst>
         </p14:section>
         <p14:section name="Closing" id="{49CB15AC-FD56-4AAC-8B8A-68CF2CB85A39}">
@@ -215,6 +217,9 @@
     </p:ext>
     <p:ext uri="{EFAFB233-063F-42B5-8137-9DF3F51BA10A}">
       <p15:sldGuideLst xmlns:p15="http://schemas.microsoft.com/office/powerpoint/2012/main"/>
+    </p:ext>
+    <p:ext uri="{2D200454-40CA-4A62-9FC3-DE9A4176ACB9}">
+      <p15:notesGuideLst xmlns:p15="http://schemas.microsoft.com/office/powerpoint/2012/main"/>
     </p:ext>
   </p:extLst>
 </p:presentation>
@@ -1678,6 +1683,93 @@
     <p:extLst>
       <p:ext uri="{BB962C8B-B14F-4D97-AF65-F5344CB8AC3E}">
         <p14:creationId xmlns:p14="http://schemas.microsoft.com/office/powerpoint/2010/main" val="255123780"/>
+      </p:ext>
+    </p:extLst>
+  </p:cSld>
+  <p:clrMapOvr>
+    <a:masterClrMapping/>
+  </p:clrMapOvr>
+</p:notes>
+</file>
+
+<file path=ppt/notesSlides/notesSlide17.xml><?xml version="1.0" encoding="utf-8"?>
+<p:notes xmlns:a="http://schemas.openxmlformats.org/drawingml/2006/main" xmlns:r="http://schemas.openxmlformats.org/officeDocument/2006/relationships" xmlns:p="http://schemas.openxmlformats.org/presentationml/2006/main">
+  <p:cSld>
+    <p:spTree>
+      <p:nvGrpSpPr>
+        <p:cNvPr id="1" name=""/>
+        <p:cNvGrpSpPr/>
+        <p:nvPr/>
+      </p:nvGrpSpPr>
+      <p:grpSpPr>
+        <a:xfrm>
+          <a:off x="0" y="0"/>
+          <a:ext cx="0" cy="0"/>
+          <a:chOff x="0" y="0"/>
+          <a:chExt cx="0" cy="0"/>
+        </a:xfrm>
+      </p:grpSpPr>
+      <p:sp>
+        <p:nvSpPr>
+          <p:cNvPr id="2" name="Slide Image Placeholder 1"/>
+          <p:cNvSpPr>
+            <a:spLocks noGrp="1" noRot="1" noChangeAspect="1"/>
+          </p:cNvSpPr>
+          <p:nvPr>
+            <p:ph type="sldImg"/>
+          </p:nvPr>
+        </p:nvSpPr>
+        <p:spPr/>
+      </p:sp>
+      <p:sp>
+        <p:nvSpPr>
+          <p:cNvPr id="3" name="Notes Placeholder 2"/>
+          <p:cNvSpPr>
+            <a:spLocks noGrp="1"/>
+          </p:cNvSpPr>
+          <p:nvPr>
+            <p:ph type="body" idx="1"/>
+          </p:nvPr>
+        </p:nvSpPr>
+        <p:spPr/>
+        <p:txBody>
+          <a:bodyPr/>
+          <a:lstStyle/>
+          <a:p>
+            <a:r>
+              <a:rPr lang="en-US" dirty="0"/>
+              <a:t>Hat tip to Ryan Ephgrave</a:t>
+            </a:r>
+          </a:p>
+        </p:txBody>
+      </p:sp>
+      <p:sp>
+        <p:nvSpPr>
+          <p:cNvPr id="4" name="Slide Number Placeholder 3"/>
+          <p:cNvSpPr>
+            <a:spLocks noGrp="1"/>
+          </p:cNvSpPr>
+          <p:nvPr>
+            <p:ph type="sldNum" sz="quarter" idx="10"/>
+          </p:nvPr>
+        </p:nvSpPr>
+        <p:spPr/>
+        <p:txBody>
+          <a:bodyPr/>
+          <a:lstStyle/>
+          <a:p>
+            <a:fld id="{9FF7FDCE-2063-4F6F-B2C0-63F2C3F23836}" type="slidenum">
+              <a:rPr lang="en-US" smtClean="0"/>
+              <a:t>25</a:t>
+            </a:fld>
+            <a:endParaRPr lang="en-US"/>
+          </a:p>
+        </p:txBody>
+      </p:sp>
+    </p:spTree>
+    <p:extLst>
+      <p:ext uri="{BB962C8B-B14F-4D97-AF65-F5344CB8AC3E}">
+        <p14:creationId xmlns:p14="http://schemas.microsoft.com/office/powerpoint/2010/main" val="194866913"/>
       </p:ext>
     </p:extLst>
   </p:cSld>
@@ -9849,10 +9941,157 @@
           <a:chExt cx="0" cy="0"/>
         </a:xfrm>
       </p:grpSpPr>
+      <p:sp>
+        <p:nvSpPr>
+          <p:cNvPr id="2" name="Title 1"/>
+          <p:cNvSpPr>
+            <a:spLocks noGrp="1"/>
+          </p:cNvSpPr>
+          <p:nvPr>
+            <p:ph type="title"/>
+          </p:nvPr>
+        </p:nvSpPr>
+        <p:spPr/>
+        <p:txBody>
+          <a:bodyPr/>
+          <a:lstStyle/>
+          <a:p>
+            <a:r>
+              <a:rPr lang="en-US" dirty="0"/>
+              <a:t>Integrating With VS Code</a:t>
+            </a:r>
+          </a:p>
+        </p:txBody>
+      </p:sp>
+      <p:sp>
+        <p:nvSpPr>
+          <p:cNvPr id="3" name="Content Placeholder 2"/>
+          <p:cNvSpPr>
+            <a:spLocks noGrp="1"/>
+          </p:cNvSpPr>
+          <p:nvPr>
+            <p:ph idx="1"/>
+          </p:nvPr>
+        </p:nvSpPr>
+        <p:spPr>
+          <a:xfrm>
+            <a:off x="609600" y="1257300"/>
+            <a:ext cx="10972800" cy="4800600"/>
+          </a:xfrm>
+        </p:spPr>
+        <p:txBody>
+          <a:bodyPr/>
+          <a:lstStyle/>
+          <a:p>
+            <a:r>
+              <a:rPr lang="en-US" dirty="0"/>
+              <a:t>1. Create a CodeFormatting.psd1</a:t>
+            </a:r>
+          </a:p>
+          <a:p>
+            <a:endParaRPr lang="en-US" dirty="0"/>
+          </a:p>
+          <a:p>
+            <a:endParaRPr lang="en-US" dirty="0"/>
+          </a:p>
+          <a:p>
+            <a:endParaRPr lang="en-US" dirty="0"/>
+          </a:p>
+          <a:p>
+            <a:r>
+              <a:rPr lang="en-US" dirty="0"/>
+              <a:t>2. Configure the PowerShell extension to use this code formatting definition.</a:t>
+            </a:r>
+          </a:p>
+          <a:p>
+            <a:pPr marL="0" indent="0">
+              <a:buNone/>
+            </a:pPr>
+            <a:endParaRPr lang="en-US" dirty="0"/>
+          </a:p>
+        </p:txBody>
+      </p:sp>
+      <p:pic>
+        <p:nvPicPr>
+          <p:cNvPr id="4" name="Picture 3">
+            <a:extLst>
+              <a:ext uri="{FF2B5EF4-FFF2-40B4-BE49-F238E27FC236}">
+                <a16:creationId xmlns:a16="http://schemas.microsoft.com/office/drawing/2014/main" id="{E6C16874-607E-46D3-ABAB-36FC971BF7AF}"/>
+              </a:ext>
+            </a:extLst>
+          </p:cNvPr>
+          <p:cNvPicPr>
+            <a:picLocks noChangeAspect="1"/>
+          </p:cNvPicPr>
+          <p:nvPr/>
+        </p:nvPicPr>
+        <p:blipFill>
+          <a:blip r:embed="rId3"/>
+          <a:stretch>
+            <a:fillRect/>
+          </a:stretch>
+        </p:blipFill>
+        <p:spPr>
+          <a:xfrm>
+            <a:off x="980440" y="1662430"/>
+            <a:ext cx="8686800" cy="1257300"/>
+          </a:xfrm>
+          <a:prstGeom prst="rect">
+            <a:avLst/>
+          </a:prstGeom>
+        </p:spPr>
+      </p:pic>
+      <p:pic>
+        <p:nvPicPr>
+          <p:cNvPr id="1026" name="Picture 2" descr="C:\Users\fbain\AppData\Local\Temp\SNAGHTMLc141c91.PNG">
+            <a:extLst>
+              <a:ext uri="{FF2B5EF4-FFF2-40B4-BE49-F238E27FC236}">
+                <a16:creationId xmlns:a16="http://schemas.microsoft.com/office/drawing/2014/main" id="{1AFAF5DE-9E58-4F4F-9639-0B898858A940}"/>
+              </a:ext>
+            </a:extLst>
+          </p:cNvPr>
+          <p:cNvPicPr>
+            <a:picLocks noChangeAspect="1" noChangeArrowheads="1"/>
+          </p:cNvPicPr>
+          <p:nvPr/>
+        </p:nvPicPr>
+        <p:blipFill>
+          <a:blip r:embed="rId4">
+            <a:extLst>
+              <a:ext uri="{28A0092B-C50C-407E-A947-70E740481C1C}">
+                <a14:useLocalDpi xmlns:a14="http://schemas.microsoft.com/office/drawing/2010/main" val="0"/>
+              </a:ext>
+            </a:extLst>
+          </a:blip>
+          <a:srcRect/>
+          <a:stretch>
+            <a:fillRect/>
+          </a:stretch>
+        </p:blipFill>
+        <p:spPr bwMode="auto">
+          <a:xfrm>
+            <a:off x="980440" y="3641089"/>
+            <a:ext cx="10144125" cy="847725"/>
+          </a:xfrm>
+          <a:prstGeom prst="rect">
+            <a:avLst/>
+          </a:prstGeom>
+          <a:noFill/>
+          <a:extLst>
+            <a:ext uri="{909E8E84-426E-40DD-AFC4-6F175D3DCCD1}">
+              <a14:hiddenFill xmlns:a14="http://schemas.microsoft.com/office/drawing/2010/main">
+                <a:solidFill>
+                  <a:srgbClr val="FFFFFF"/>
+                </a:solidFill>
+              </a14:hiddenFill>
+            </a:ext>
+          </a:extLst>
+        </p:spPr>
+      </p:pic>
     </p:spTree>
     <p:extLst>
       <p:ext uri="{BB962C8B-B14F-4D97-AF65-F5344CB8AC3E}">
-        <p14:creationId xmlns:p14="http://schemas.microsoft.com/office/powerpoint/2010/main" val="4063178677"/>
+        <p14:creationId xmlns:p14="http://schemas.microsoft.com/office/powerpoint/2010/main" val="1505739152"/>
       </p:ext>
     </p:extLst>
   </p:cSld>
@@ -9879,6 +10118,36 @@
           <a:chExt cx="0" cy="0"/>
         </a:xfrm>
       </p:grpSpPr>
+    </p:spTree>
+    <p:extLst>
+      <p:ext uri="{BB962C8B-B14F-4D97-AF65-F5344CB8AC3E}">
+        <p14:creationId xmlns:p14="http://schemas.microsoft.com/office/powerpoint/2010/main" val="4063178677"/>
+      </p:ext>
+    </p:extLst>
+  </p:cSld>
+  <p:clrMapOvr>
+    <a:masterClrMapping/>
+  </p:clrMapOvr>
+</p:sld>
+</file>
+
+<file path=ppt/slides/slide27.xml><?xml version="1.0" encoding="utf-8"?>
+<p:sld xmlns:a="http://schemas.openxmlformats.org/drawingml/2006/main" xmlns:r="http://schemas.openxmlformats.org/officeDocument/2006/relationships" xmlns:p="http://schemas.openxmlformats.org/presentationml/2006/main">
+  <p:cSld>
+    <p:spTree>
+      <p:nvGrpSpPr>
+        <p:cNvPr id="1" name=""/>
+        <p:cNvGrpSpPr/>
+        <p:nvPr/>
+      </p:nvGrpSpPr>
+      <p:grpSpPr>
+        <a:xfrm>
+          <a:off x="0" y="0"/>
+          <a:ext cx="0" cy="0"/>
+          <a:chOff x="0" y="0"/>
+          <a:chExt cx="0" cy="0"/>
+        </a:xfrm>
+      </p:grpSpPr>
       <p:pic>
         <p:nvPicPr>
           <p:cNvPr id="6" name="Picture 5"/>
@@ -9968,7 +10237,7 @@
 </p:sld>
 </file>
 
-<file path=ppt/slides/slide27.xml><?xml version="1.0" encoding="utf-8"?>
+<file path=ppt/slides/slide28.xml><?xml version="1.0" encoding="utf-8"?>
 <p:sld xmlns:a="http://schemas.openxmlformats.org/drawingml/2006/main" xmlns:r="http://schemas.openxmlformats.org/officeDocument/2006/relationships" xmlns:p="http://schemas.openxmlformats.org/presentationml/2006/main" show="0">
   <p:cSld>
     <p:spTree>
@@ -10066,7 +10335,7 @@
 </p:sld>
 </file>
 
-<file path=ppt/slides/slide28.xml><?xml version="1.0" encoding="utf-8"?>
+<file path=ppt/slides/slide29.xml><?xml version="1.0" encoding="utf-8"?>
 <p:sld xmlns:a="http://schemas.openxmlformats.org/drawingml/2006/main" xmlns:r="http://schemas.openxmlformats.org/officeDocument/2006/relationships" xmlns:p="http://schemas.openxmlformats.org/presentationml/2006/main" show="0">
   <p:cSld>
     <p:spTree>
@@ -10131,79 +10400,6 @@
     <p:extLst>
       <p:ext uri="{BB962C8B-B14F-4D97-AF65-F5344CB8AC3E}">
         <p14:creationId xmlns:p14="http://schemas.microsoft.com/office/powerpoint/2010/main" val="1872366448"/>
-      </p:ext>
-    </p:extLst>
-  </p:cSld>
-  <p:clrMapOvr>
-    <a:masterClrMapping/>
-  </p:clrMapOvr>
-</p:sld>
-</file>
-
-<file path=ppt/slides/slide29.xml><?xml version="1.0" encoding="utf-8"?>
-<p:sld xmlns:a="http://schemas.openxmlformats.org/drawingml/2006/main" xmlns:r="http://schemas.openxmlformats.org/officeDocument/2006/relationships" xmlns:p="http://schemas.openxmlformats.org/presentationml/2006/main" show="0">
-  <p:cSld>
-    <p:spTree>
-      <p:nvGrpSpPr>
-        <p:cNvPr id="1" name=""/>
-        <p:cNvGrpSpPr/>
-        <p:nvPr/>
-      </p:nvGrpSpPr>
-      <p:grpSpPr>
-        <a:xfrm>
-          <a:off x="0" y="0"/>
-          <a:ext cx="0" cy="0"/>
-          <a:chOff x="0" y="0"/>
-          <a:chExt cx="0" cy="0"/>
-        </a:xfrm>
-      </p:grpSpPr>
-      <p:sp>
-        <p:nvSpPr>
-          <p:cNvPr id="4" name="Content Placeholder 3"/>
-          <p:cNvSpPr>
-            <a:spLocks noGrp="1"/>
-          </p:cNvSpPr>
-          <p:nvPr>
-            <p:ph idx="1"/>
-          </p:nvPr>
-        </p:nvSpPr>
-        <p:spPr/>
-        <p:txBody>
-          <a:bodyPr/>
-          <a:lstStyle/>
-          <a:p>
-            <a:r>
-              <a:rPr lang="en-US" dirty="0"/>
-              <a:t>Text Only with Border</a:t>
-            </a:r>
-          </a:p>
-          <a:p>
-            <a:pPr lvl="1"/>
-            <a:r>
-              <a:rPr lang="en-US" dirty="0"/>
-              <a:t>Level 1</a:t>
-            </a:r>
-          </a:p>
-          <a:p>
-            <a:pPr lvl="2"/>
-            <a:r>
-              <a:rPr lang="en-US" dirty="0"/>
-              <a:t>Level 2 </a:t>
-            </a:r>
-          </a:p>
-          <a:p>
-            <a:pPr lvl="3"/>
-            <a:r>
-              <a:rPr lang="en-US" dirty="0"/>
-              <a:t>Level 3</a:t>
-            </a:r>
-          </a:p>
-        </p:txBody>
-      </p:sp>
-    </p:spTree>
-    <p:extLst>
-      <p:ext uri="{BB962C8B-B14F-4D97-AF65-F5344CB8AC3E}">
-        <p14:creationId xmlns:p14="http://schemas.microsoft.com/office/powerpoint/2010/main" val="659284950"/>
       </p:ext>
     </p:extLst>
   </p:cSld>
@@ -10306,6 +10502,79 @@
       </p:grpSpPr>
       <p:sp>
         <p:nvSpPr>
+          <p:cNvPr id="4" name="Content Placeholder 3"/>
+          <p:cNvSpPr>
+            <a:spLocks noGrp="1"/>
+          </p:cNvSpPr>
+          <p:nvPr>
+            <p:ph idx="1"/>
+          </p:nvPr>
+        </p:nvSpPr>
+        <p:spPr/>
+        <p:txBody>
+          <a:bodyPr/>
+          <a:lstStyle/>
+          <a:p>
+            <a:r>
+              <a:rPr lang="en-US" dirty="0"/>
+              <a:t>Text Only with Border</a:t>
+            </a:r>
+          </a:p>
+          <a:p>
+            <a:pPr lvl="1"/>
+            <a:r>
+              <a:rPr lang="en-US" dirty="0"/>
+              <a:t>Level 1</a:t>
+            </a:r>
+          </a:p>
+          <a:p>
+            <a:pPr lvl="2"/>
+            <a:r>
+              <a:rPr lang="en-US" dirty="0"/>
+              <a:t>Level 2 </a:t>
+            </a:r>
+          </a:p>
+          <a:p>
+            <a:pPr lvl="3"/>
+            <a:r>
+              <a:rPr lang="en-US" dirty="0"/>
+              <a:t>Level 3</a:t>
+            </a:r>
+          </a:p>
+        </p:txBody>
+      </p:sp>
+    </p:spTree>
+    <p:extLst>
+      <p:ext uri="{BB962C8B-B14F-4D97-AF65-F5344CB8AC3E}">
+        <p14:creationId xmlns:p14="http://schemas.microsoft.com/office/powerpoint/2010/main" val="659284950"/>
+      </p:ext>
+    </p:extLst>
+  </p:cSld>
+  <p:clrMapOvr>
+    <a:masterClrMapping/>
+  </p:clrMapOvr>
+</p:sld>
+</file>
+
+<file path=ppt/slides/slide31.xml><?xml version="1.0" encoding="utf-8"?>
+<p:sld xmlns:a="http://schemas.openxmlformats.org/drawingml/2006/main" xmlns:r="http://schemas.openxmlformats.org/officeDocument/2006/relationships" xmlns:p="http://schemas.openxmlformats.org/presentationml/2006/main" show="0">
+  <p:cSld>
+    <p:spTree>
+      <p:nvGrpSpPr>
+        <p:cNvPr id="1" name=""/>
+        <p:cNvGrpSpPr/>
+        <p:nvPr/>
+      </p:nvGrpSpPr>
+      <p:grpSpPr>
+        <a:xfrm>
+          <a:off x="0" y="0"/>
+          <a:ext cx="0" cy="0"/>
+          <a:chOff x="0" y="0"/>
+          <a:chExt cx="0" cy="0"/>
+        </a:xfrm>
+      </p:grpSpPr>
+      <p:sp>
+        <p:nvSpPr>
           <p:cNvPr id="3" name="Content Placeholder 2"/>
           <p:cNvSpPr>
             <a:spLocks noGrp="1"/>
@@ -10360,7 +10629,7 @@
 </p:sld>
 </file>
 
-<file path=ppt/slides/slide31.xml><?xml version="1.0" encoding="utf-8"?>
+<file path=ppt/slides/slide32.xml><?xml version="1.0" encoding="utf-8"?>
 <p:sld xmlns:a="http://schemas.openxmlformats.org/drawingml/2006/main" xmlns:r="http://schemas.openxmlformats.org/officeDocument/2006/relationships" xmlns:p="http://schemas.openxmlformats.org/presentationml/2006/main" show="0">
   <p:cSld>
     <p:spTree>
@@ -10504,7 +10773,7 @@
 </p:sld>
 </file>
 
-<file path=ppt/slides/slide32.xml><?xml version="1.0" encoding="utf-8"?>
+<file path=ppt/slides/slide33.xml><?xml version="1.0" encoding="utf-8"?>
 <p:sld xmlns:a="http://schemas.openxmlformats.org/drawingml/2006/main" xmlns:r="http://schemas.openxmlformats.org/officeDocument/2006/relationships" xmlns:p="http://schemas.openxmlformats.org/presentationml/2006/main" show="0">
   <p:cSld>
     <p:spTree>
@@ -10692,901 +10961,6 @@
 </p:sld>
 </file>
 
-<file path=ppt/slides/slide33.xml><?xml version="1.0" encoding="utf-8"?>
-<p:sld xmlns:a="http://schemas.openxmlformats.org/drawingml/2006/main" xmlns:r="http://schemas.openxmlformats.org/officeDocument/2006/relationships" xmlns:p="http://schemas.openxmlformats.org/presentationml/2006/main" show="0">
-  <p:cSld>
-    <p:spTree>
-      <p:nvGrpSpPr>
-        <p:cNvPr id="1" name=""/>
-        <p:cNvGrpSpPr/>
-        <p:nvPr/>
-      </p:nvGrpSpPr>
-      <p:grpSpPr>
-        <a:xfrm>
-          <a:off x="0" y="0"/>
-          <a:ext cx="0" cy="0"/>
-          <a:chOff x="0" y="0"/>
-          <a:chExt cx="0" cy="0"/>
-        </a:xfrm>
-      </p:grpSpPr>
-      <p:pic>
-        <p:nvPicPr>
-          <p:cNvPr id="11" name="Picture 10"/>
-          <p:cNvPicPr>
-            <a:picLocks noChangeAspect="1"/>
-          </p:cNvPicPr>
-          <p:nvPr/>
-        </p:nvPicPr>
-        <p:blipFill>
-          <a:blip r:embed="rId2">
-            <a:extLst>
-              <a:ext uri="{28A0092B-C50C-407E-A947-70E740481C1C}">
-                <a14:useLocalDpi xmlns:a14="http://schemas.microsoft.com/office/drawing/2010/main" val="0"/>
-              </a:ext>
-            </a:extLst>
-          </a:blip>
-          <a:stretch>
-            <a:fillRect/>
-          </a:stretch>
-        </p:blipFill>
-        <p:spPr>
-          <a:xfrm>
-            <a:off x="2207458" y="453313"/>
-            <a:ext cx="457200" cy="457200"/>
-          </a:xfrm>
-          <a:prstGeom prst="rect">
-            <a:avLst/>
-          </a:prstGeom>
-        </p:spPr>
-      </p:pic>
-      <p:pic>
-        <p:nvPicPr>
-          <p:cNvPr id="12" name="Picture 11"/>
-          <p:cNvPicPr>
-            <a:picLocks noChangeAspect="1"/>
-          </p:cNvPicPr>
-          <p:nvPr/>
-        </p:nvPicPr>
-        <p:blipFill>
-          <a:blip r:embed="rId3">
-            <a:extLst>
-              <a:ext uri="{28A0092B-C50C-407E-A947-70E740481C1C}">
-                <a14:useLocalDpi xmlns:a14="http://schemas.microsoft.com/office/drawing/2010/main" val="0"/>
-              </a:ext>
-            </a:extLst>
-          </a:blip>
-          <a:stretch>
-            <a:fillRect/>
-          </a:stretch>
-        </p:blipFill>
-        <p:spPr>
-          <a:xfrm>
-            <a:off x="1294229" y="453399"/>
-            <a:ext cx="457200" cy="457200"/>
-          </a:xfrm>
-          <a:prstGeom prst="rect">
-            <a:avLst/>
-          </a:prstGeom>
-        </p:spPr>
-      </p:pic>
-      <p:pic>
-        <p:nvPicPr>
-          <p:cNvPr id="13" name="Picture 12"/>
-          <p:cNvPicPr>
-            <a:picLocks noChangeAspect="1"/>
-          </p:cNvPicPr>
-          <p:nvPr/>
-        </p:nvPicPr>
-        <p:blipFill>
-          <a:blip r:embed="rId4">
-            <a:extLst>
-              <a:ext uri="{28A0092B-C50C-407E-A947-70E740481C1C}">
-                <a14:useLocalDpi xmlns:a14="http://schemas.microsoft.com/office/drawing/2010/main" val="0"/>
-              </a:ext>
-            </a:extLst>
-          </a:blip>
-          <a:stretch>
-            <a:fillRect/>
-          </a:stretch>
-        </p:blipFill>
-        <p:spPr>
-          <a:xfrm>
-            <a:off x="381000" y="453399"/>
-            <a:ext cx="457200" cy="457200"/>
-          </a:xfrm>
-          <a:prstGeom prst="rect">
-            <a:avLst/>
-          </a:prstGeom>
-        </p:spPr>
-      </p:pic>
-      <p:pic>
-        <p:nvPicPr>
-          <p:cNvPr id="15" name="Picture 14"/>
-          <p:cNvPicPr>
-            <a:picLocks noChangeAspect="1"/>
-          </p:cNvPicPr>
-          <p:nvPr/>
-        </p:nvPicPr>
-        <p:blipFill>
-          <a:blip r:embed="rId5">
-            <a:lum bright="70000" contrast="-70000"/>
-            <a:extLst>
-              <a:ext uri="{28A0092B-C50C-407E-A947-70E740481C1C}">
-                <a14:useLocalDpi xmlns:a14="http://schemas.microsoft.com/office/drawing/2010/main" val="0"/>
-              </a:ext>
-            </a:extLst>
-          </a:blip>
-          <a:stretch>
-            <a:fillRect/>
-          </a:stretch>
-        </p:blipFill>
-        <p:spPr>
-          <a:xfrm>
-            <a:off x="303629" y="1070428"/>
-            <a:ext cx="1219200" cy="1219200"/>
-          </a:xfrm>
-          <a:prstGeom prst="rect">
-            <a:avLst/>
-          </a:prstGeom>
-        </p:spPr>
-      </p:pic>
-      <p:pic>
-        <p:nvPicPr>
-          <p:cNvPr id="279" name="Picture 278"/>
-          <p:cNvPicPr>
-            <a:picLocks noChangeAspect="1"/>
-          </p:cNvPicPr>
-          <p:nvPr/>
-        </p:nvPicPr>
-        <p:blipFill>
-          <a:blip r:embed="rId6">
-            <a:lum bright="70000" contrast="-70000"/>
-            <a:extLst>
-              <a:ext uri="{28A0092B-C50C-407E-A947-70E740481C1C}">
-                <a14:useLocalDpi xmlns:a14="http://schemas.microsoft.com/office/drawing/2010/main" val="0"/>
-              </a:ext>
-            </a:extLst>
-          </a:blip>
-          <a:stretch>
-            <a:fillRect/>
-          </a:stretch>
-        </p:blipFill>
-        <p:spPr>
-          <a:xfrm>
-            <a:off x="2950029" y="1070428"/>
-            <a:ext cx="1219200" cy="1219200"/>
-          </a:xfrm>
-          <a:prstGeom prst="rect">
-            <a:avLst/>
-          </a:prstGeom>
-        </p:spPr>
-      </p:pic>
-      <p:pic>
-        <p:nvPicPr>
-          <p:cNvPr id="280" name="Picture 279"/>
-          <p:cNvPicPr>
-            <a:picLocks noChangeAspect="1"/>
-          </p:cNvPicPr>
-          <p:nvPr/>
-        </p:nvPicPr>
-        <p:blipFill>
-          <a:blip r:embed="rId7">
-            <a:lum bright="70000" contrast="-70000"/>
-            <a:extLst>
-              <a:ext uri="{28A0092B-C50C-407E-A947-70E740481C1C}">
-                <a14:useLocalDpi xmlns:a14="http://schemas.microsoft.com/office/drawing/2010/main" val="0"/>
-              </a:ext>
-            </a:extLst>
-          </a:blip>
-          <a:stretch>
-            <a:fillRect/>
-          </a:stretch>
-        </p:blipFill>
-        <p:spPr>
-          <a:xfrm>
-            <a:off x="1626829" y="1070428"/>
-            <a:ext cx="1219200" cy="1219200"/>
-          </a:xfrm>
-          <a:prstGeom prst="rect">
-            <a:avLst/>
-          </a:prstGeom>
-        </p:spPr>
-      </p:pic>
-      <p:pic>
-        <p:nvPicPr>
-          <p:cNvPr id="281" name="Picture 280"/>
-          <p:cNvPicPr>
-            <a:picLocks noChangeAspect="1"/>
-          </p:cNvPicPr>
-          <p:nvPr/>
-        </p:nvPicPr>
-        <p:blipFill>
-          <a:blip r:embed="rId8">
-            <a:lum bright="70000" contrast="-70000"/>
-            <a:extLst>
-              <a:ext uri="{28A0092B-C50C-407E-A947-70E740481C1C}">
-                <a14:useLocalDpi xmlns:a14="http://schemas.microsoft.com/office/drawing/2010/main" val="0"/>
-              </a:ext>
-            </a:extLst>
-          </a:blip>
-          <a:stretch>
-            <a:fillRect/>
-          </a:stretch>
-        </p:blipFill>
-        <p:spPr>
-          <a:xfrm>
-            <a:off x="5596429" y="1107999"/>
-            <a:ext cx="1219200" cy="1219200"/>
-          </a:xfrm>
-          <a:prstGeom prst="rect">
-            <a:avLst/>
-          </a:prstGeom>
-        </p:spPr>
-      </p:pic>
-      <p:pic>
-        <p:nvPicPr>
-          <p:cNvPr id="282" name="Picture 281"/>
-          <p:cNvPicPr>
-            <a:picLocks noChangeAspect="1"/>
-          </p:cNvPicPr>
-          <p:nvPr/>
-        </p:nvPicPr>
-        <p:blipFill>
-          <a:blip r:embed="rId9">
-            <a:lum bright="70000" contrast="-70000"/>
-            <a:extLst>
-              <a:ext uri="{28A0092B-C50C-407E-A947-70E740481C1C}">
-                <a14:useLocalDpi xmlns:a14="http://schemas.microsoft.com/office/drawing/2010/main" val="0"/>
-              </a:ext>
-            </a:extLst>
-          </a:blip>
-          <a:stretch>
-            <a:fillRect/>
-          </a:stretch>
-        </p:blipFill>
-        <p:spPr>
-          <a:xfrm>
-            <a:off x="4273229" y="1070428"/>
-            <a:ext cx="1219200" cy="1219200"/>
-          </a:xfrm>
-          <a:prstGeom prst="rect">
-            <a:avLst/>
-          </a:prstGeom>
-        </p:spPr>
-      </p:pic>
-      <p:pic>
-        <p:nvPicPr>
-          <p:cNvPr id="283" name="Picture 282"/>
-          <p:cNvPicPr>
-            <a:picLocks noChangeAspect="1"/>
-          </p:cNvPicPr>
-          <p:nvPr/>
-        </p:nvPicPr>
-        <p:blipFill>
-          <a:blip r:embed="rId10">
-            <a:lum bright="70000" contrast="-70000"/>
-            <a:extLst>
-              <a:ext uri="{28A0092B-C50C-407E-A947-70E740481C1C}">
-                <a14:useLocalDpi xmlns:a14="http://schemas.microsoft.com/office/drawing/2010/main" val="0"/>
-              </a:ext>
-            </a:extLst>
-          </a:blip>
-          <a:stretch>
-            <a:fillRect/>
-          </a:stretch>
-        </p:blipFill>
-        <p:spPr>
-          <a:xfrm>
-            <a:off x="6919629" y="1107999"/>
-            <a:ext cx="1219200" cy="1219200"/>
-          </a:xfrm>
-          <a:prstGeom prst="rect">
-            <a:avLst/>
-          </a:prstGeom>
-        </p:spPr>
-      </p:pic>
-      <p:pic>
-        <p:nvPicPr>
-          <p:cNvPr id="284" name="Picture 283"/>
-          <p:cNvPicPr>
-            <a:picLocks noChangeAspect="1"/>
-          </p:cNvPicPr>
-          <p:nvPr/>
-        </p:nvPicPr>
-        <p:blipFill>
-          <a:blip r:embed="rId11">
-            <a:lum bright="70000" contrast="-70000"/>
-            <a:extLst>
-              <a:ext uri="{28A0092B-C50C-407E-A947-70E740481C1C}">
-                <a14:useLocalDpi xmlns:a14="http://schemas.microsoft.com/office/drawing/2010/main" val="0"/>
-              </a:ext>
-            </a:extLst>
-          </a:blip>
-          <a:stretch>
-            <a:fillRect/>
-          </a:stretch>
-        </p:blipFill>
-        <p:spPr>
-          <a:xfrm>
-            <a:off x="9105600" y="1070428"/>
-            <a:ext cx="1219200" cy="1219200"/>
-          </a:xfrm>
-          <a:prstGeom prst="rect">
-            <a:avLst/>
-          </a:prstGeom>
-        </p:spPr>
-      </p:pic>
-      <p:pic>
-        <p:nvPicPr>
-          <p:cNvPr id="285" name="Picture 284"/>
-          <p:cNvPicPr>
-            <a:picLocks noChangeAspect="1"/>
-          </p:cNvPicPr>
-          <p:nvPr/>
-        </p:nvPicPr>
-        <p:blipFill>
-          <a:blip r:embed="rId12">
-            <a:lum bright="70000" contrast="-70000"/>
-            <a:extLst>
-              <a:ext uri="{28A0092B-C50C-407E-A947-70E740481C1C}">
-                <a14:useLocalDpi xmlns:a14="http://schemas.microsoft.com/office/drawing/2010/main" val="0"/>
-              </a:ext>
-            </a:extLst>
-          </a:blip>
-          <a:stretch>
-            <a:fillRect/>
-          </a:stretch>
-        </p:blipFill>
-        <p:spPr>
-          <a:xfrm>
-            <a:off x="7988286" y="1070428"/>
-            <a:ext cx="1219200" cy="1219200"/>
-          </a:xfrm>
-          <a:prstGeom prst="rect">
-            <a:avLst/>
-          </a:prstGeom>
-        </p:spPr>
-      </p:pic>
-      <p:pic>
-        <p:nvPicPr>
-          <p:cNvPr id="286" name="Picture 285"/>
-          <p:cNvPicPr>
-            <a:picLocks noChangeAspect="1"/>
-          </p:cNvPicPr>
-          <p:nvPr/>
-        </p:nvPicPr>
-        <p:blipFill>
-          <a:blip r:embed="rId13">
-            <a:lum bright="70000" contrast="-70000"/>
-            <a:extLst>
-              <a:ext uri="{28A0092B-C50C-407E-A947-70E740481C1C}">
-                <a14:useLocalDpi xmlns:a14="http://schemas.microsoft.com/office/drawing/2010/main" val="0"/>
-              </a:ext>
-            </a:extLst>
-          </a:blip>
-          <a:stretch>
-            <a:fillRect/>
-          </a:stretch>
-        </p:blipFill>
-        <p:spPr>
-          <a:xfrm>
-            <a:off x="303629" y="2185742"/>
-            <a:ext cx="1219200" cy="1219200"/>
-          </a:xfrm>
-          <a:prstGeom prst="rect">
-            <a:avLst/>
-          </a:prstGeom>
-        </p:spPr>
-      </p:pic>
-      <p:pic>
-        <p:nvPicPr>
-          <p:cNvPr id="287" name="Picture 286"/>
-          <p:cNvPicPr>
-            <a:picLocks noChangeAspect="1"/>
-          </p:cNvPicPr>
-          <p:nvPr/>
-        </p:nvPicPr>
-        <p:blipFill>
-          <a:blip r:embed="rId14">
-            <a:lum bright="70000" contrast="-70000"/>
-            <a:extLst>
-              <a:ext uri="{28A0092B-C50C-407E-A947-70E740481C1C}">
-                <a14:useLocalDpi xmlns:a14="http://schemas.microsoft.com/office/drawing/2010/main" val="0"/>
-              </a:ext>
-            </a:extLst>
-          </a:blip>
-          <a:stretch>
-            <a:fillRect/>
-          </a:stretch>
-        </p:blipFill>
-        <p:spPr>
-          <a:xfrm>
-            <a:off x="10484143" y="1070428"/>
-            <a:ext cx="1219200" cy="1219200"/>
-          </a:xfrm>
-          <a:prstGeom prst="rect">
-            <a:avLst/>
-          </a:prstGeom>
-        </p:spPr>
-      </p:pic>
-      <p:pic>
-        <p:nvPicPr>
-          <p:cNvPr id="288" name="Picture 287"/>
-          <p:cNvPicPr>
-            <a:picLocks noChangeAspect="1"/>
-          </p:cNvPicPr>
-          <p:nvPr/>
-        </p:nvPicPr>
-        <p:blipFill>
-          <a:blip r:embed="rId15">
-            <a:lum bright="70000" contrast="-70000"/>
-            <a:extLst>
-              <a:ext uri="{28A0092B-C50C-407E-A947-70E740481C1C}">
-                <a14:useLocalDpi xmlns:a14="http://schemas.microsoft.com/office/drawing/2010/main" val="0"/>
-              </a:ext>
-            </a:extLst>
-          </a:blip>
-          <a:stretch>
-            <a:fillRect/>
-          </a:stretch>
-        </p:blipFill>
-        <p:spPr>
-          <a:xfrm>
-            <a:off x="2923629" y="2421599"/>
-            <a:ext cx="1219200" cy="1219200"/>
-          </a:xfrm>
-          <a:prstGeom prst="rect">
-            <a:avLst/>
-          </a:prstGeom>
-        </p:spPr>
-      </p:pic>
-      <p:pic>
-        <p:nvPicPr>
-          <p:cNvPr id="289" name="Picture 288"/>
-          <p:cNvPicPr>
-            <a:picLocks noChangeAspect="1"/>
-          </p:cNvPicPr>
-          <p:nvPr/>
-        </p:nvPicPr>
-        <p:blipFill>
-          <a:blip r:embed="rId16">
-            <a:lum bright="70000" contrast="-70000"/>
-            <a:extLst>
-              <a:ext uri="{28A0092B-C50C-407E-A947-70E740481C1C}">
-                <a14:useLocalDpi xmlns:a14="http://schemas.microsoft.com/office/drawing/2010/main" val="0"/>
-              </a:ext>
-            </a:extLst>
-          </a:blip>
-          <a:stretch>
-            <a:fillRect/>
-          </a:stretch>
-        </p:blipFill>
-        <p:spPr>
-          <a:xfrm>
-            <a:off x="4273229" y="2454485"/>
-            <a:ext cx="1219200" cy="1219200"/>
-          </a:xfrm>
-          <a:prstGeom prst="rect">
-            <a:avLst/>
-          </a:prstGeom>
-        </p:spPr>
-      </p:pic>
-      <p:pic>
-        <p:nvPicPr>
-          <p:cNvPr id="290" name="Picture 289"/>
-          <p:cNvPicPr>
-            <a:picLocks noChangeAspect="1"/>
-          </p:cNvPicPr>
-          <p:nvPr/>
-        </p:nvPicPr>
-        <p:blipFill>
-          <a:blip r:embed="rId17">
-            <a:lum bright="70000" contrast="-70000"/>
-            <a:extLst>
-              <a:ext uri="{28A0092B-C50C-407E-A947-70E740481C1C}">
-                <a14:useLocalDpi xmlns:a14="http://schemas.microsoft.com/office/drawing/2010/main" val="0"/>
-              </a:ext>
-            </a:extLst>
-          </a:blip>
-          <a:stretch>
-            <a:fillRect/>
-          </a:stretch>
-        </p:blipFill>
-        <p:spPr>
-          <a:xfrm>
-            <a:off x="1704429" y="2421599"/>
-            <a:ext cx="1219200" cy="1219200"/>
-          </a:xfrm>
-          <a:prstGeom prst="rect">
-            <a:avLst/>
-          </a:prstGeom>
-        </p:spPr>
-      </p:pic>
-      <p:pic>
-        <p:nvPicPr>
-          <p:cNvPr id="291" name="Picture 290"/>
-          <p:cNvPicPr>
-            <a:picLocks noChangeAspect="1"/>
-          </p:cNvPicPr>
-          <p:nvPr/>
-        </p:nvPicPr>
-        <p:blipFill>
-          <a:blip r:embed="rId18">
-            <a:lum bright="70000" contrast="-70000"/>
-            <a:extLst>
-              <a:ext uri="{28A0092B-C50C-407E-A947-70E740481C1C}">
-                <a14:useLocalDpi xmlns:a14="http://schemas.microsoft.com/office/drawing/2010/main" val="0"/>
-              </a:ext>
-            </a:extLst>
-          </a:blip>
-          <a:stretch>
-            <a:fillRect/>
-          </a:stretch>
-        </p:blipFill>
-        <p:spPr>
-          <a:xfrm>
-            <a:off x="6976800" y="2439628"/>
-            <a:ext cx="1219200" cy="1219200"/>
-          </a:xfrm>
-          <a:prstGeom prst="rect">
-            <a:avLst/>
-          </a:prstGeom>
-        </p:spPr>
-      </p:pic>
-      <p:pic>
-        <p:nvPicPr>
-          <p:cNvPr id="292" name="Picture 291"/>
-          <p:cNvPicPr>
-            <a:picLocks noChangeAspect="1"/>
-          </p:cNvPicPr>
-          <p:nvPr/>
-        </p:nvPicPr>
-        <p:blipFill>
-          <a:blip r:embed="rId19">
-            <a:lum bright="70000" contrast="-70000"/>
-            <a:extLst>
-              <a:ext uri="{28A0092B-C50C-407E-A947-70E740481C1C}">
-                <a14:useLocalDpi xmlns:a14="http://schemas.microsoft.com/office/drawing/2010/main" val="0"/>
-              </a:ext>
-            </a:extLst>
-          </a:blip>
-          <a:stretch>
-            <a:fillRect/>
-          </a:stretch>
-        </p:blipFill>
-        <p:spPr>
-          <a:xfrm>
-            <a:off x="5622829" y="2454485"/>
-            <a:ext cx="1219200" cy="1219200"/>
-          </a:xfrm>
-          <a:prstGeom prst="rect">
-            <a:avLst/>
-          </a:prstGeom>
-        </p:spPr>
-      </p:pic>
-      <p:pic>
-        <p:nvPicPr>
-          <p:cNvPr id="293" name="Picture 292"/>
-          <p:cNvPicPr>
-            <a:picLocks noChangeAspect="1"/>
-          </p:cNvPicPr>
-          <p:nvPr/>
-        </p:nvPicPr>
-        <p:blipFill>
-          <a:blip r:embed="rId20">
-            <a:lum bright="70000" contrast="-70000"/>
-            <a:extLst>
-              <a:ext uri="{28A0092B-C50C-407E-A947-70E740481C1C}">
-                <a14:useLocalDpi xmlns:a14="http://schemas.microsoft.com/office/drawing/2010/main" val="0"/>
-              </a:ext>
-            </a:extLst>
-          </a:blip>
-          <a:stretch>
-            <a:fillRect/>
-          </a:stretch>
-        </p:blipFill>
-        <p:spPr>
-          <a:xfrm>
-            <a:off x="8336400" y="2534314"/>
-            <a:ext cx="1219200" cy="1219200"/>
-          </a:xfrm>
-          <a:prstGeom prst="rect">
-            <a:avLst/>
-          </a:prstGeom>
-        </p:spPr>
-      </p:pic>
-      <p:pic>
-        <p:nvPicPr>
-          <p:cNvPr id="294" name="Picture 293"/>
-          <p:cNvPicPr>
-            <a:picLocks noChangeAspect="1"/>
-          </p:cNvPicPr>
-          <p:nvPr/>
-        </p:nvPicPr>
-        <p:blipFill>
-          <a:blip r:embed="rId21">
-            <a:lum bright="70000" contrast="-70000"/>
-            <a:extLst>
-              <a:ext uri="{28A0092B-C50C-407E-A947-70E740481C1C}">
-                <a14:useLocalDpi xmlns:a14="http://schemas.microsoft.com/office/drawing/2010/main" val="0"/>
-              </a:ext>
-            </a:extLst>
-          </a:blip>
-          <a:stretch>
-            <a:fillRect/>
-          </a:stretch>
-        </p:blipFill>
-        <p:spPr>
-          <a:xfrm>
-            <a:off x="1522829" y="3910656"/>
-            <a:ext cx="1219200" cy="1219200"/>
-          </a:xfrm>
-          <a:prstGeom prst="rect">
-            <a:avLst/>
-          </a:prstGeom>
-        </p:spPr>
-      </p:pic>
-      <p:pic>
-        <p:nvPicPr>
-          <p:cNvPr id="295" name="Picture 294"/>
-          <p:cNvPicPr>
-            <a:picLocks noChangeAspect="1"/>
-          </p:cNvPicPr>
-          <p:nvPr/>
-        </p:nvPicPr>
-        <p:blipFill>
-          <a:blip r:embed="rId22">
-            <a:lum bright="70000" contrast="-70000"/>
-            <a:extLst>
-              <a:ext uri="{28A0092B-C50C-407E-A947-70E740481C1C}">
-                <a14:useLocalDpi xmlns:a14="http://schemas.microsoft.com/office/drawing/2010/main" val="0"/>
-              </a:ext>
-            </a:extLst>
-          </a:blip>
-          <a:stretch>
-            <a:fillRect/>
-          </a:stretch>
-        </p:blipFill>
-        <p:spPr>
-          <a:xfrm>
-            <a:off x="303629" y="4021971"/>
-            <a:ext cx="1219200" cy="1219200"/>
-          </a:xfrm>
-          <a:prstGeom prst="rect">
-            <a:avLst/>
-          </a:prstGeom>
-        </p:spPr>
-      </p:pic>
-      <p:pic>
-        <p:nvPicPr>
-          <p:cNvPr id="296" name="Picture 295"/>
-          <p:cNvPicPr>
-            <a:picLocks noChangeAspect="1"/>
-          </p:cNvPicPr>
-          <p:nvPr/>
-        </p:nvPicPr>
-        <p:blipFill>
-          <a:blip r:embed="rId23">
-            <a:lum bright="70000" contrast="-70000"/>
-            <a:extLst>
-              <a:ext uri="{28A0092B-C50C-407E-A947-70E740481C1C}">
-                <a14:useLocalDpi xmlns:a14="http://schemas.microsoft.com/office/drawing/2010/main" val="0"/>
-              </a:ext>
-            </a:extLst>
-          </a:blip>
-          <a:stretch>
-            <a:fillRect/>
-          </a:stretch>
-        </p:blipFill>
-        <p:spPr>
-          <a:xfrm>
-            <a:off x="9762315" y="2534314"/>
-            <a:ext cx="1219200" cy="1219200"/>
-          </a:xfrm>
-          <a:prstGeom prst="rect">
-            <a:avLst/>
-          </a:prstGeom>
-        </p:spPr>
-      </p:pic>
-      <p:pic>
-        <p:nvPicPr>
-          <p:cNvPr id="297" name="Picture 296"/>
-          <p:cNvPicPr>
-            <a:picLocks noChangeAspect="1"/>
-          </p:cNvPicPr>
-          <p:nvPr/>
-        </p:nvPicPr>
-        <p:blipFill>
-          <a:blip r:embed="rId24">
-            <a:lum bright="70000" contrast="-70000"/>
-            <a:extLst>
-              <a:ext uri="{28A0092B-C50C-407E-A947-70E740481C1C}">
-                <a14:useLocalDpi xmlns:a14="http://schemas.microsoft.com/office/drawing/2010/main" val="0"/>
-              </a:ext>
-            </a:extLst>
-          </a:blip>
-          <a:stretch>
-            <a:fillRect/>
-          </a:stretch>
-        </p:blipFill>
-        <p:spPr>
-          <a:xfrm>
-            <a:off x="5998771" y="4004171"/>
-            <a:ext cx="1219200" cy="1219200"/>
-          </a:xfrm>
-          <a:prstGeom prst="rect">
-            <a:avLst/>
-          </a:prstGeom>
-        </p:spPr>
-      </p:pic>
-      <p:pic>
-        <p:nvPicPr>
-          <p:cNvPr id="298" name="Picture 297"/>
-          <p:cNvPicPr>
-            <a:picLocks noChangeAspect="1"/>
-          </p:cNvPicPr>
-          <p:nvPr/>
-        </p:nvPicPr>
-        <p:blipFill>
-          <a:blip r:embed="rId25">
-            <a:lum bright="70000" contrast="-70000"/>
-            <a:extLst>
-              <a:ext uri="{28A0092B-C50C-407E-A947-70E740481C1C}">
-                <a14:useLocalDpi xmlns:a14="http://schemas.microsoft.com/office/drawing/2010/main" val="0"/>
-              </a:ext>
-            </a:extLst>
-          </a:blip>
-          <a:stretch>
-            <a:fillRect/>
-          </a:stretch>
-        </p:blipFill>
-        <p:spPr>
-          <a:xfrm>
-            <a:off x="4526400" y="4021971"/>
-            <a:ext cx="1219200" cy="1219200"/>
-          </a:xfrm>
-          <a:prstGeom prst="rect">
-            <a:avLst/>
-          </a:prstGeom>
-        </p:spPr>
-      </p:pic>
-      <p:pic>
-        <p:nvPicPr>
-          <p:cNvPr id="299" name="Picture 298"/>
-          <p:cNvPicPr>
-            <a:picLocks noChangeAspect="1"/>
-          </p:cNvPicPr>
-          <p:nvPr/>
-        </p:nvPicPr>
-        <p:blipFill>
-          <a:blip r:embed="rId26">
-            <a:lum bright="70000" contrast="-70000"/>
-            <a:extLst>
-              <a:ext uri="{28A0092B-C50C-407E-A947-70E740481C1C}">
-                <a14:useLocalDpi xmlns:a14="http://schemas.microsoft.com/office/drawing/2010/main" val="0"/>
-              </a:ext>
-            </a:extLst>
-          </a:blip>
-          <a:stretch>
-            <a:fillRect/>
-          </a:stretch>
-        </p:blipFill>
-        <p:spPr>
-          <a:xfrm>
-            <a:off x="3054029" y="4021971"/>
-            <a:ext cx="1219200" cy="1219200"/>
-          </a:xfrm>
-          <a:prstGeom prst="rect">
-            <a:avLst/>
-          </a:prstGeom>
-        </p:spPr>
-      </p:pic>
-      <p:pic>
-        <p:nvPicPr>
-          <p:cNvPr id="300" name="Picture 299"/>
-          <p:cNvPicPr>
-            <a:picLocks noChangeAspect="1"/>
-          </p:cNvPicPr>
-          <p:nvPr/>
-        </p:nvPicPr>
-        <p:blipFill>
-          <a:blip r:embed="rId27">
-            <a:lum bright="70000" contrast="-70000"/>
-            <a:extLst>
-              <a:ext uri="{28A0092B-C50C-407E-A947-70E740481C1C}">
-                <a14:useLocalDpi xmlns:a14="http://schemas.microsoft.com/office/drawing/2010/main" val="0"/>
-              </a:ext>
-            </a:extLst>
-          </a:blip>
-          <a:stretch>
-            <a:fillRect/>
-          </a:stretch>
-        </p:blipFill>
-        <p:spPr>
-          <a:xfrm>
-            <a:off x="10221542" y="4145971"/>
-            <a:ext cx="1219200" cy="1219200"/>
-          </a:xfrm>
-          <a:prstGeom prst="rect">
-            <a:avLst/>
-          </a:prstGeom>
-        </p:spPr>
-      </p:pic>
-      <p:pic>
-        <p:nvPicPr>
-          <p:cNvPr id="301" name="Picture 300"/>
-          <p:cNvPicPr>
-            <a:picLocks noChangeAspect="1"/>
-          </p:cNvPicPr>
-          <p:nvPr/>
-        </p:nvPicPr>
-        <p:blipFill>
-          <a:blip r:embed="rId28">
-            <a:lum bright="70000" contrast="-70000"/>
-            <a:extLst>
-              <a:ext uri="{28A0092B-C50C-407E-A947-70E740481C1C}">
-                <a14:useLocalDpi xmlns:a14="http://schemas.microsoft.com/office/drawing/2010/main" val="0"/>
-              </a:ext>
-            </a:extLst>
-          </a:blip>
-          <a:stretch>
-            <a:fillRect/>
-          </a:stretch>
-        </p:blipFill>
-        <p:spPr>
-          <a:xfrm>
-            <a:off x="8858971" y="4120114"/>
-            <a:ext cx="1219200" cy="1219200"/>
-          </a:xfrm>
-          <a:prstGeom prst="rect">
-            <a:avLst/>
-          </a:prstGeom>
-        </p:spPr>
-      </p:pic>
-      <p:pic>
-        <p:nvPicPr>
-          <p:cNvPr id="302" name="Picture 301"/>
-          <p:cNvPicPr>
-            <a:picLocks noChangeAspect="1"/>
-          </p:cNvPicPr>
-          <p:nvPr/>
-        </p:nvPicPr>
-        <p:blipFill>
-          <a:blip r:embed="rId29">
-            <a:lum bright="70000" contrast="-70000"/>
-            <a:extLst>
-              <a:ext uri="{28A0092B-C50C-407E-A947-70E740481C1C}">
-                <a14:useLocalDpi xmlns:a14="http://schemas.microsoft.com/office/drawing/2010/main" val="0"/>
-              </a:ext>
-            </a:extLst>
-          </a:blip>
-          <a:stretch>
-            <a:fillRect/>
-          </a:stretch>
-        </p:blipFill>
-        <p:spPr>
-          <a:xfrm>
-            <a:off x="7471142" y="4120114"/>
-            <a:ext cx="1219200" cy="1219200"/>
-          </a:xfrm>
-          <a:prstGeom prst="rect">
-            <a:avLst/>
-          </a:prstGeom>
-        </p:spPr>
-      </p:pic>
-    </p:spTree>
-    <p:extLst>
-      <p:ext uri="{BB962C8B-B14F-4D97-AF65-F5344CB8AC3E}">
-        <p14:creationId xmlns:p14="http://schemas.microsoft.com/office/powerpoint/2010/main" val="2451305448"/>
-      </p:ext>
-    </p:extLst>
-  </p:cSld>
-  <p:clrMapOvr>
-    <a:masterClrMapping/>
-  </p:clrMapOvr>
-</p:sld>
-</file>
-
 <file path=ppt/slides/slide34.xml><?xml version="1.0" encoding="utf-8"?>
 <p:sld xmlns:a="http://schemas.openxmlformats.org/drawingml/2006/main" xmlns:r="http://schemas.openxmlformats.org/officeDocument/2006/relationships" xmlns:p="http://schemas.openxmlformats.org/presentationml/2006/main" show="0">
   <p:cSld>
@@ -11606,7 +10980,7 @@
       </p:grpSpPr>
       <p:pic>
         <p:nvPicPr>
-          <p:cNvPr id="2" name="Picture 1"/>
+          <p:cNvPr id="11" name="Picture 10"/>
           <p:cNvPicPr>
             <a:picLocks noChangeAspect="1"/>
           </p:cNvPicPr>
@@ -11614,30 +10988,29 @@
         </p:nvPicPr>
         <p:blipFill>
           <a:blip r:embed="rId2">
-            <a:lum bright="70000" contrast="-70000"/>
-            <a:extLst>
-              <a:ext uri="{28A0092B-C50C-407E-A947-70E740481C1C}">
-                <a14:useLocalDpi xmlns:a14="http://schemas.microsoft.com/office/drawing/2010/main" val="0"/>
-              </a:ext>
-            </a:extLst>
-          </a:blip>
-          <a:stretch>
-            <a:fillRect/>
-          </a:stretch>
-        </p:blipFill>
-        <p:spPr>
-          <a:xfrm>
-            <a:off x="322686" y="250829"/>
-            <a:ext cx="1219200" cy="1219200"/>
-          </a:xfrm>
-          <a:prstGeom prst="rect">
-            <a:avLst/>
-          </a:prstGeom>
-        </p:spPr>
-      </p:pic>
-      <p:pic>
-        <p:nvPicPr>
-          <p:cNvPr id="3" name="Picture 2"/>
+            <a:extLst>
+              <a:ext uri="{28A0092B-C50C-407E-A947-70E740481C1C}">
+                <a14:useLocalDpi xmlns:a14="http://schemas.microsoft.com/office/drawing/2010/main" val="0"/>
+              </a:ext>
+            </a:extLst>
+          </a:blip>
+          <a:stretch>
+            <a:fillRect/>
+          </a:stretch>
+        </p:blipFill>
+        <p:spPr>
+          <a:xfrm>
+            <a:off x="2207458" y="453313"/>
+            <a:ext cx="457200" cy="457200"/>
+          </a:xfrm>
+          <a:prstGeom prst="rect">
+            <a:avLst/>
+          </a:prstGeom>
+        </p:spPr>
+      </p:pic>
+      <p:pic>
+        <p:nvPicPr>
+          <p:cNvPr id="12" name="Picture 11"/>
           <p:cNvPicPr>
             <a:picLocks noChangeAspect="1"/>
           </p:cNvPicPr>
@@ -11645,30 +11018,29 @@
         </p:nvPicPr>
         <p:blipFill>
           <a:blip r:embed="rId3">
-            <a:lum bright="70000" contrast="-70000"/>
-            <a:extLst>
-              <a:ext uri="{28A0092B-C50C-407E-A947-70E740481C1C}">
-                <a14:useLocalDpi xmlns:a14="http://schemas.microsoft.com/office/drawing/2010/main" val="0"/>
-              </a:ext>
-            </a:extLst>
-          </a:blip>
-          <a:stretch>
-            <a:fillRect/>
-          </a:stretch>
-        </p:blipFill>
-        <p:spPr>
-          <a:xfrm>
-            <a:off x="1841371" y="306486"/>
-            <a:ext cx="1219200" cy="1219200"/>
-          </a:xfrm>
-          <a:prstGeom prst="rect">
-            <a:avLst/>
-          </a:prstGeom>
-        </p:spPr>
-      </p:pic>
-      <p:pic>
-        <p:nvPicPr>
-          <p:cNvPr id="4" name="Picture 3"/>
+            <a:extLst>
+              <a:ext uri="{28A0092B-C50C-407E-A947-70E740481C1C}">
+                <a14:useLocalDpi xmlns:a14="http://schemas.microsoft.com/office/drawing/2010/main" val="0"/>
+              </a:ext>
+            </a:extLst>
+          </a:blip>
+          <a:stretch>
+            <a:fillRect/>
+          </a:stretch>
+        </p:blipFill>
+        <p:spPr>
+          <a:xfrm>
+            <a:off x="1294229" y="453399"/>
+            <a:ext cx="457200" cy="457200"/>
+          </a:xfrm>
+          <a:prstGeom prst="rect">
+            <a:avLst/>
+          </a:prstGeom>
+        </p:spPr>
+      </p:pic>
+      <p:pic>
+        <p:nvPicPr>
+          <p:cNvPr id="13" name="Picture 12"/>
           <p:cNvPicPr>
             <a:picLocks noChangeAspect="1"/>
           </p:cNvPicPr>
@@ -11676,30 +11048,29 @@
         </p:nvPicPr>
         <p:blipFill>
           <a:blip r:embed="rId4">
-            <a:lum bright="70000" contrast="-70000"/>
-            <a:extLst>
-              <a:ext uri="{28A0092B-C50C-407E-A947-70E740481C1C}">
-                <a14:useLocalDpi xmlns:a14="http://schemas.microsoft.com/office/drawing/2010/main" val="0"/>
-              </a:ext>
-            </a:extLst>
-          </a:blip>
-          <a:stretch>
-            <a:fillRect/>
-          </a:stretch>
-        </p:blipFill>
-        <p:spPr>
-          <a:xfrm>
-            <a:off x="3360056" y="250829"/>
-            <a:ext cx="1219200" cy="1219200"/>
-          </a:xfrm>
-          <a:prstGeom prst="rect">
-            <a:avLst/>
-          </a:prstGeom>
-        </p:spPr>
-      </p:pic>
-      <p:pic>
-        <p:nvPicPr>
-          <p:cNvPr id="5" name="Picture 4"/>
+            <a:extLst>
+              <a:ext uri="{28A0092B-C50C-407E-A947-70E740481C1C}">
+                <a14:useLocalDpi xmlns:a14="http://schemas.microsoft.com/office/drawing/2010/main" val="0"/>
+              </a:ext>
+            </a:extLst>
+          </a:blip>
+          <a:stretch>
+            <a:fillRect/>
+          </a:stretch>
+        </p:blipFill>
+        <p:spPr>
+          <a:xfrm>
+            <a:off x="381000" y="453399"/>
+            <a:ext cx="457200" cy="457200"/>
+          </a:xfrm>
+          <a:prstGeom prst="rect">
+            <a:avLst/>
+          </a:prstGeom>
+        </p:spPr>
+      </p:pic>
+      <p:pic>
+        <p:nvPicPr>
+          <p:cNvPr id="15" name="Picture 14"/>
           <p:cNvPicPr>
             <a:picLocks noChangeAspect="1"/>
           </p:cNvPicPr>
@@ -11720,17 +11091,17 @@
         </p:blipFill>
         <p:spPr>
           <a:xfrm>
-            <a:off x="4878741" y="249715"/>
-            <a:ext cx="1219200" cy="1219200"/>
-          </a:xfrm>
-          <a:prstGeom prst="rect">
-            <a:avLst/>
-          </a:prstGeom>
-        </p:spPr>
-      </p:pic>
-      <p:pic>
-        <p:nvPicPr>
-          <p:cNvPr id="6" name="Picture 5"/>
+            <a:off x="303629" y="1070428"/>
+            <a:ext cx="1219200" cy="1219200"/>
+          </a:xfrm>
+          <a:prstGeom prst="rect">
+            <a:avLst/>
+          </a:prstGeom>
+        </p:spPr>
+      </p:pic>
+      <p:pic>
+        <p:nvPicPr>
+          <p:cNvPr id="279" name="Picture 278"/>
           <p:cNvPicPr>
             <a:picLocks noChangeAspect="1"/>
           </p:cNvPicPr>
@@ -11751,17 +11122,17 @@
         </p:blipFill>
         <p:spPr>
           <a:xfrm>
-            <a:off x="7736400" y="249715"/>
-            <a:ext cx="1219200" cy="1219200"/>
-          </a:xfrm>
-          <a:prstGeom prst="rect">
-            <a:avLst/>
-          </a:prstGeom>
-        </p:spPr>
-      </p:pic>
-      <p:pic>
-        <p:nvPicPr>
-          <p:cNvPr id="7" name="Picture 6"/>
+            <a:off x="2950029" y="1070428"/>
+            <a:ext cx="1219200" cy="1219200"/>
+          </a:xfrm>
+          <a:prstGeom prst="rect">
+            <a:avLst/>
+          </a:prstGeom>
+        </p:spPr>
+      </p:pic>
+      <p:pic>
+        <p:nvPicPr>
+          <p:cNvPr id="280" name="Picture 279"/>
           <p:cNvPicPr>
             <a:picLocks noChangeAspect="1"/>
           </p:cNvPicPr>
@@ -11782,17 +11153,17 @@
         </p:blipFill>
         <p:spPr>
           <a:xfrm>
-            <a:off x="6396057" y="249715"/>
-            <a:ext cx="1219200" cy="1219200"/>
-          </a:xfrm>
-          <a:prstGeom prst="rect">
-            <a:avLst/>
-          </a:prstGeom>
-        </p:spPr>
-      </p:pic>
-      <p:pic>
-        <p:nvPicPr>
-          <p:cNvPr id="8" name="Picture 7"/>
+            <a:off x="1626829" y="1070428"/>
+            <a:ext cx="1219200" cy="1219200"/>
+          </a:xfrm>
+          <a:prstGeom prst="rect">
+            <a:avLst/>
+          </a:prstGeom>
+        </p:spPr>
+      </p:pic>
+      <p:pic>
+        <p:nvPicPr>
+          <p:cNvPr id="281" name="Picture 280"/>
           <p:cNvPicPr>
             <a:picLocks noChangeAspect="1"/>
           </p:cNvPicPr>
@@ -11813,17 +11184,17 @@
         </p:blipFill>
         <p:spPr>
           <a:xfrm>
-            <a:off x="322686" y="1525686"/>
-            <a:ext cx="1219200" cy="1219200"/>
-          </a:xfrm>
-          <a:prstGeom prst="rect">
-            <a:avLst/>
-          </a:prstGeom>
-        </p:spPr>
-      </p:pic>
-      <p:pic>
-        <p:nvPicPr>
-          <p:cNvPr id="9" name="Picture 8"/>
+            <a:off x="5596429" y="1107999"/>
+            <a:ext cx="1219200" cy="1219200"/>
+          </a:xfrm>
+          <a:prstGeom prst="rect">
+            <a:avLst/>
+          </a:prstGeom>
+        </p:spPr>
+      </p:pic>
+      <p:pic>
+        <p:nvPicPr>
+          <p:cNvPr id="282" name="Picture 281"/>
           <p:cNvPicPr>
             <a:picLocks noChangeAspect="1"/>
           </p:cNvPicPr>
@@ -11844,17 +11215,17 @@
         </p:blipFill>
         <p:spPr>
           <a:xfrm>
-            <a:off x="9120229" y="275315"/>
-            <a:ext cx="1219200" cy="1219200"/>
-          </a:xfrm>
-          <a:prstGeom prst="rect">
-            <a:avLst/>
-          </a:prstGeom>
-        </p:spPr>
-      </p:pic>
-      <p:pic>
-        <p:nvPicPr>
-          <p:cNvPr id="10" name="Picture 9"/>
+            <a:off x="4273229" y="1070428"/>
+            <a:ext cx="1219200" cy="1219200"/>
+          </a:xfrm>
+          <a:prstGeom prst="rect">
+            <a:avLst/>
+          </a:prstGeom>
+        </p:spPr>
+      </p:pic>
+      <p:pic>
+        <p:nvPicPr>
+          <p:cNvPr id="283" name="Picture 282"/>
           <p:cNvPicPr>
             <a:picLocks noChangeAspect="1"/>
           </p:cNvPicPr>
@@ -11875,17 +11246,17 @@
         </p:blipFill>
         <p:spPr>
           <a:xfrm>
-            <a:off x="10460572" y="306486"/>
-            <a:ext cx="1219200" cy="1219200"/>
-          </a:xfrm>
-          <a:prstGeom prst="rect">
-            <a:avLst/>
-          </a:prstGeom>
-        </p:spPr>
-      </p:pic>
-      <p:pic>
-        <p:nvPicPr>
-          <p:cNvPr id="11" name="Picture 10"/>
+            <a:off x="6919629" y="1107999"/>
+            <a:ext cx="1219200" cy="1219200"/>
+          </a:xfrm>
+          <a:prstGeom prst="rect">
+            <a:avLst/>
+          </a:prstGeom>
+        </p:spPr>
+      </p:pic>
+      <p:pic>
+        <p:nvPicPr>
+          <p:cNvPr id="284" name="Picture 283"/>
           <p:cNvPicPr>
             <a:picLocks noChangeAspect="1"/>
           </p:cNvPicPr>
@@ -11906,17 +11277,17 @@
         </p:blipFill>
         <p:spPr>
           <a:xfrm>
-            <a:off x="3179485" y="1494515"/>
-            <a:ext cx="1219200" cy="1219200"/>
-          </a:xfrm>
-          <a:prstGeom prst="rect">
-            <a:avLst/>
-          </a:prstGeom>
-        </p:spPr>
-      </p:pic>
-      <p:pic>
-        <p:nvPicPr>
-          <p:cNvPr id="12" name="Picture 11"/>
+            <a:off x="9105600" y="1070428"/>
+            <a:ext cx="1219200" cy="1219200"/>
+          </a:xfrm>
+          <a:prstGeom prst="rect">
+            <a:avLst/>
+          </a:prstGeom>
+        </p:spPr>
+      </p:pic>
+      <p:pic>
+        <p:nvPicPr>
+          <p:cNvPr id="285" name="Picture 284"/>
           <p:cNvPicPr>
             <a:picLocks noChangeAspect="1"/>
           </p:cNvPicPr>
@@ -11937,17 +11308,17 @@
         </p:blipFill>
         <p:spPr>
           <a:xfrm>
-            <a:off x="1841371" y="1525686"/>
-            <a:ext cx="1219200" cy="1219200"/>
-          </a:xfrm>
-          <a:prstGeom prst="rect">
-            <a:avLst/>
-          </a:prstGeom>
-        </p:spPr>
-      </p:pic>
-      <p:pic>
-        <p:nvPicPr>
-          <p:cNvPr id="13" name="Picture 12"/>
+            <a:off x="7988286" y="1070428"/>
+            <a:ext cx="1219200" cy="1219200"/>
+          </a:xfrm>
+          <a:prstGeom prst="rect">
+            <a:avLst/>
+          </a:prstGeom>
+        </p:spPr>
+      </p:pic>
+      <p:pic>
+        <p:nvPicPr>
+          <p:cNvPr id="286" name="Picture 285"/>
           <p:cNvPicPr>
             <a:picLocks noChangeAspect="1"/>
           </p:cNvPicPr>
@@ -11968,17 +11339,17 @@
         </p:blipFill>
         <p:spPr>
           <a:xfrm>
-            <a:off x="4728943" y="1468915"/>
-            <a:ext cx="1219200" cy="1219200"/>
-          </a:xfrm>
-          <a:prstGeom prst="rect">
-            <a:avLst/>
-          </a:prstGeom>
-        </p:spPr>
-      </p:pic>
-      <p:pic>
-        <p:nvPicPr>
-          <p:cNvPr id="14" name="Picture 13"/>
+            <a:off x="303629" y="2185742"/>
+            <a:ext cx="1219200" cy="1219200"/>
+          </a:xfrm>
+          <a:prstGeom prst="rect">
+            <a:avLst/>
+          </a:prstGeom>
+        </p:spPr>
+      </p:pic>
+      <p:pic>
+        <p:nvPicPr>
+          <p:cNvPr id="287" name="Picture 286"/>
           <p:cNvPicPr>
             <a:picLocks noChangeAspect="1"/>
           </p:cNvPicPr>
@@ -11999,17 +11370,17 @@
         </p:blipFill>
         <p:spPr>
           <a:xfrm>
-            <a:off x="7809086" y="1525686"/>
-            <a:ext cx="1219200" cy="1219200"/>
-          </a:xfrm>
-          <a:prstGeom prst="rect">
-            <a:avLst/>
-          </a:prstGeom>
-        </p:spPr>
-      </p:pic>
-      <p:pic>
-        <p:nvPicPr>
-          <p:cNvPr id="15" name="Picture 14"/>
+            <a:off x="10484143" y="1070428"/>
+            <a:ext cx="1219200" cy="1219200"/>
+          </a:xfrm>
+          <a:prstGeom prst="rect">
+            <a:avLst/>
+          </a:prstGeom>
+        </p:spPr>
+      </p:pic>
+      <p:pic>
+        <p:nvPicPr>
+          <p:cNvPr id="288" name="Picture 287"/>
           <p:cNvPicPr>
             <a:picLocks noChangeAspect="1"/>
           </p:cNvPicPr>
@@ -12030,17 +11401,17 @@
         </p:blipFill>
         <p:spPr>
           <a:xfrm>
-            <a:off x="6376800" y="1525686"/>
-            <a:ext cx="1219200" cy="1219200"/>
-          </a:xfrm>
-          <a:prstGeom prst="rect">
-            <a:avLst/>
-          </a:prstGeom>
-        </p:spPr>
-      </p:pic>
-      <p:pic>
-        <p:nvPicPr>
-          <p:cNvPr id="16" name="Picture 15"/>
+            <a:off x="2923629" y="2421599"/>
+            <a:ext cx="1219200" cy="1219200"/>
+          </a:xfrm>
+          <a:prstGeom prst="rect">
+            <a:avLst/>
+          </a:prstGeom>
+        </p:spPr>
+      </p:pic>
+      <p:pic>
+        <p:nvPicPr>
+          <p:cNvPr id="289" name="Picture 288"/>
           <p:cNvPicPr>
             <a:picLocks noChangeAspect="1"/>
           </p:cNvPicPr>
@@ -12061,17 +11432,17 @@
         </p:blipFill>
         <p:spPr>
           <a:xfrm>
-            <a:off x="9237900" y="1525686"/>
-            <a:ext cx="1219200" cy="1219200"/>
-          </a:xfrm>
-          <a:prstGeom prst="rect">
-            <a:avLst/>
-          </a:prstGeom>
-        </p:spPr>
-      </p:pic>
-      <p:pic>
-        <p:nvPicPr>
-          <p:cNvPr id="17" name="Picture 16"/>
+            <a:off x="4273229" y="2454485"/>
+            <a:ext cx="1219200" cy="1219200"/>
+          </a:xfrm>
+          <a:prstGeom prst="rect">
+            <a:avLst/>
+          </a:prstGeom>
+        </p:spPr>
+      </p:pic>
+      <p:pic>
+        <p:nvPicPr>
+          <p:cNvPr id="290" name="Picture 289"/>
           <p:cNvPicPr>
             <a:picLocks noChangeAspect="1"/>
           </p:cNvPicPr>
@@ -12092,17 +11463,17 @@
         </p:blipFill>
         <p:spPr>
           <a:xfrm>
-            <a:off x="10404571" y="1519943"/>
-            <a:ext cx="1219200" cy="1219200"/>
-          </a:xfrm>
-          <a:prstGeom prst="rect">
-            <a:avLst/>
-          </a:prstGeom>
-        </p:spPr>
-      </p:pic>
-      <p:pic>
-        <p:nvPicPr>
-          <p:cNvPr id="18" name="Picture 17"/>
+            <a:off x="1704429" y="2421599"/>
+            <a:ext cx="1219200" cy="1219200"/>
+          </a:xfrm>
+          <a:prstGeom prst="rect">
+            <a:avLst/>
+          </a:prstGeom>
+        </p:spPr>
+      </p:pic>
+      <p:pic>
+        <p:nvPicPr>
+          <p:cNvPr id="291" name="Picture 290"/>
           <p:cNvPicPr>
             <a:picLocks noChangeAspect="1"/>
           </p:cNvPicPr>
@@ -12123,17 +11494,17 @@
         </p:blipFill>
         <p:spPr>
           <a:xfrm>
-            <a:off x="1841371" y="3030143"/>
-            <a:ext cx="1219200" cy="1219200"/>
-          </a:xfrm>
-          <a:prstGeom prst="rect">
-            <a:avLst/>
-          </a:prstGeom>
-        </p:spPr>
-      </p:pic>
-      <p:pic>
-        <p:nvPicPr>
-          <p:cNvPr id="19" name="Picture 18"/>
+            <a:off x="6976800" y="2439628"/>
+            <a:ext cx="1219200" cy="1219200"/>
+          </a:xfrm>
+          <a:prstGeom prst="rect">
+            <a:avLst/>
+          </a:prstGeom>
+        </p:spPr>
+      </p:pic>
+      <p:pic>
+        <p:nvPicPr>
+          <p:cNvPr id="292" name="Picture 291"/>
           <p:cNvPicPr>
             <a:picLocks noChangeAspect="1"/>
           </p:cNvPicPr>
@@ -12154,17 +11525,17 @@
         </p:blipFill>
         <p:spPr>
           <a:xfrm>
-            <a:off x="322686" y="3030143"/>
-            <a:ext cx="1219200" cy="1219200"/>
-          </a:xfrm>
-          <a:prstGeom prst="rect">
-            <a:avLst/>
-          </a:prstGeom>
-        </p:spPr>
-      </p:pic>
-      <p:pic>
-        <p:nvPicPr>
-          <p:cNvPr id="20" name="Picture 19"/>
+            <a:off x="5622829" y="2454485"/>
+            <a:ext cx="1219200" cy="1219200"/>
+          </a:xfrm>
+          <a:prstGeom prst="rect">
+            <a:avLst/>
+          </a:prstGeom>
+        </p:spPr>
+      </p:pic>
+      <p:pic>
+        <p:nvPicPr>
+          <p:cNvPr id="293" name="Picture 292"/>
           <p:cNvPicPr>
             <a:picLocks noChangeAspect="1"/>
           </p:cNvPicPr>
@@ -12185,17 +11556,17 @@
         </p:blipFill>
         <p:spPr>
           <a:xfrm>
-            <a:off x="4728943" y="3030143"/>
-            <a:ext cx="1219200" cy="1219200"/>
-          </a:xfrm>
-          <a:prstGeom prst="rect">
-            <a:avLst/>
-          </a:prstGeom>
-        </p:spPr>
-      </p:pic>
-      <p:pic>
-        <p:nvPicPr>
-          <p:cNvPr id="21" name="Picture 20"/>
+            <a:off x="8336400" y="2534314"/>
+            <a:ext cx="1219200" cy="1219200"/>
+          </a:xfrm>
+          <a:prstGeom prst="rect">
+            <a:avLst/>
+          </a:prstGeom>
+        </p:spPr>
+      </p:pic>
+      <p:pic>
+        <p:nvPicPr>
+          <p:cNvPr id="294" name="Picture 293"/>
           <p:cNvPicPr>
             <a:picLocks noChangeAspect="1"/>
           </p:cNvPicPr>
@@ -12216,17 +11587,17 @@
         </p:blipFill>
         <p:spPr>
           <a:xfrm>
-            <a:off x="3338570" y="3030143"/>
-            <a:ext cx="1219200" cy="1219200"/>
-          </a:xfrm>
-          <a:prstGeom prst="rect">
-            <a:avLst/>
-          </a:prstGeom>
-        </p:spPr>
-      </p:pic>
-      <p:pic>
-        <p:nvPicPr>
-          <p:cNvPr id="22" name="Picture 21"/>
+            <a:off x="1522829" y="3910656"/>
+            <a:ext cx="1219200" cy="1219200"/>
+          </a:xfrm>
+          <a:prstGeom prst="rect">
+            <a:avLst/>
+          </a:prstGeom>
+        </p:spPr>
+      </p:pic>
+      <p:pic>
+        <p:nvPicPr>
+          <p:cNvPr id="295" name="Picture 294"/>
           <p:cNvPicPr>
             <a:picLocks noChangeAspect="1"/>
           </p:cNvPicPr>
@@ -12247,17 +11618,17 @@
         </p:blipFill>
         <p:spPr>
           <a:xfrm>
-            <a:off x="1835343" y="4534600"/>
-            <a:ext cx="1219200" cy="1219200"/>
-          </a:xfrm>
-          <a:prstGeom prst="rect">
-            <a:avLst/>
-          </a:prstGeom>
-        </p:spPr>
-      </p:pic>
-      <p:pic>
-        <p:nvPicPr>
-          <p:cNvPr id="23" name="Picture 22"/>
+            <a:off x="303629" y="4021971"/>
+            <a:ext cx="1219200" cy="1219200"/>
+          </a:xfrm>
+          <a:prstGeom prst="rect">
+            <a:avLst/>
+          </a:prstGeom>
+        </p:spPr>
+      </p:pic>
+      <p:pic>
+        <p:nvPicPr>
+          <p:cNvPr id="296" name="Picture 295"/>
           <p:cNvPicPr>
             <a:picLocks noChangeAspect="1"/>
           </p:cNvPicPr>
@@ -12278,17 +11649,17 @@
         </p:blipFill>
         <p:spPr>
           <a:xfrm>
-            <a:off x="322686" y="4534600"/>
-            <a:ext cx="1219200" cy="1219200"/>
-          </a:xfrm>
-          <a:prstGeom prst="rect">
-            <a:avLst/>
-          </a:prstGeom>
-        </p:spPr>
-      </p:pic>
-      <p:pic>
-        <p:nvPicPr>
-          <p:cNvPr id="24" name="Picture 23"/>
+            <a:off x="9762315" y="2534314"/>
+            <a:ext cx="1219200" cy="1219200"/>
+          </a:xfrm>
+          <a:prstGeom prst="rect">
+            <a:avLst/>
+          </a:prstGeom>
+        </p:spPr>
+      </p:pic>
+      <p:pic>
+        <p:nvPicPr>
+          <p:cNvPr id="297" name="Picture 296"/>
           <p:cNvPicPr>
             <a:picLocks noChangeAspect="1"/>
           </p:cNvPicPr>
@@ -12309,17 +11680,17 @@
         </p:blipFill>
         <p:spPr>
           <a:xfrm>
-            <a:off x="6376800" y="3162943"/>
-            <a:ext cx="1219200" cy="1219200"/>
-          </a:xfrm>
-          <a:prstGeom prst="rect">
-            <a:avLst/>
-          </a:prstGeom>
-        </p:spPr>
-      </p:pic>
-      <p:pic>
-        <p:nvPicPr>
-          <p:cNvPr id="25" name="Picture 24"/>
+            <a:off x="5998771" y="4004171"/>
+            <a:ext cx="1219200" cy="1219200"/>
+          </a:xfrm>
+          <a:prstGeom prst="rect">
+            <a:avLst/>
+          </a:prstGeom>
+        </p:spPr>
+      </p:pic>
+      <p:pic>
+        <p:nvPicPr>
+          <p:cNvPr id="298" name="Picture 297"/>
           <p:cNvPicPr>
             <a:picLocks noChangeAspect="1"/>
           </p:cNvPicPr>
@@ -12340,17 +11711,17 @@
         </p:blipFill>
         <p:spPr>
           <a:xfrm>
-            <a:off x="10404571" y="3109800"/>
-            <a:ext cx="1219200" cy="1219200"/>
-          </a:xfrm>
-          <a:prstGeom prst="rect">
-            <a:avLst/>
-          </a:prstGeom>
-        </p:spPr>
-      </p:pic>
-      <p:pic>
-        <p:nvPicPr>
-          <p:cNvPr id="26" name="Picture 25"/>
+            <a:off x="4526400" y="4021971"/>
+            <a:ext cx="1219200" cy="1219200"/>
+          </a:xfrm>
+          <a:prstGeom prst="rect">
+            <a:avLst/>
+          </a:prstGeom>
+        </p:spPr>
+      </p:pic>
+      <p:pic>
+        <p:nvPicPr>
+          <p:cNvPr id="299" name="Picture 298"/>
           <p:cNvPicPr>
             <a:picLocks noChangeAspect="1"/>
           </p:cNvPicPr>
@@ -12371,17 +11742,17 @@
         </p:blipFill>
         <p:spPr>
           <a:xfrm>
-            <a:off x="3338570" y="4534600"/>
-            <a:ext cx="1219200" cy="1219200"/>
-          </a:xfrm>
-          <a:prstGeom prst="rect">
-            <a:avLst/>
-          </a:prstGeom>
-        </p:spPr>
-      </p:pic>
-      <p:pic>
-        <p:nvPicPr>
-          <p:cNvPr id="27" name="Picture 26"/>
+            <a:off x="3054029" y="4021971"/>
+            <a:ext cx="1219200" cy="1219200"/>
+          </a:xfrm>
+          <a:prstGeom prst="rect">
+            <a:avLst/>
+          </a:prstGeom>
+        </p:spPr>
+      </p:pic>
+      <p:pic>
+        <p:nvPicPr>
+          <p:cNvPr id="300" name="Picture 299"/>
           <p:cNvPicPr>
             <a:picLocks noChangeAspect="1"/>
           </p:cNvPicPr>
@@ -12402,17 +11773,17 @@
         </p:blipFill>
         <p:spPr>
           <a:xfrm>
-            <a:off x="4831171" y="4560286"/>
-            <a:ext cx="1219200" cy="1219200"/>
-          </a:xfrm>
-          <a:prstGeom prst="rect">
-            <a:avLst/>
-          </a:prstGeom>
-        </p:spPr>
-      </p:pic>
-      <p:pic>
-        <p:nvPicPr>
-          <p:cNvPr id="28" name="Picture 27"/>
+            <a:off x="10221542" y="4145971"/>
+            <a:ext cx="1219200" cy="1219200"/>
+          </a:xfrm>
+          <a:prstGeom prst="rect">
+            <a:avLst/>
+          </a:prstGeom>
+        </p:spPr>
+      </p:pic>
+      <p:pic>
+        <p:nvPicPr>
+          <p:cNvPr id="301" name="Picture 300"/>
           <p:cNvPicPr>
             <a:picLocks noChangeAspect="1"/>
           </p:cNvPicPr>
@@ -12433,17 +11804,17 @@
         </p:blipFill>
         <p:spPr>
           <a:xfrm>
-            <a:off x="9028286" y="4560286"/>
-            <a:ext cx="1219200" cy="1219200"/>
-          </a:xfrm>
-          <a:prstGeom prst="rect">
-            <a:avLst/>
-          </a:prstGeom>
-        </p:spPr>
-      </p:pic>
-      <p:pic>
-        <p:nvPicPr>
-          <p:cNvPr id="29" name="Picture 28"/>
+            <a:off x="8858971" y="4120114"/>
+            <a:ext cx="1219200" cy="1219200"/>
+          </a:xfrm>
+          <a:prstGeom prst="rect">
+            <a:avLst/>
+          </a:prstGeom>
+        </p:spPr>
+      </p:pic>
+      <p:pic>
+        <p:nvPicPr>
+          <p:cNvPr id="302" name="Picture 301"/>
           <p:cNvPicPr>
             <a:picLocks noChangeAspect="1"/>
           </p:cNvPicPr>
@@ -12464,38 +11835,7 @@
         </p:blipFill>
         <p:spPr>
           <a:xfrm>
-            <a:off x="8955600" y="3315400"/>
-            <a:ext cx="1219200" cy="1219200"/>
-          </a:xfrm>
-          <a:prstGeom prst="rect">
-            <a:avLst/>
-          </a:prstGeom>
-        </p:spPr>
-      </p:pic>
-      <p:pic>
-        <p:nvPicPr>
-          <p:cNvPr id="30" name="Picture 29"/>
-          <p:cNvPicPr>
-            <a:picLocks noChangeAspect="1"/>
-          </p:cNvPicPr>
-          <p:nvPr/>
-        </p:nvPicPr>
-        <p:blipFill>
-          <a:blip r:embed="rId30">
-            <a:lum bright="70000" contrast="-70000"/>
-            <a:extLst>
-              <a:ext uri="{28A0092B-C50C-407E-A947-70E740481C1C}">
-                <a14:useLocalDpi xmlns:a14="http://schemas.microsoft.com/office/drawing/2010/main" val="0"/>
-              </a:ext>
-            </a:extLst>
-          </a:blip>
-          <a:stretch>
-            <a:fillRect/>
-          </a:stretch>
-        </p:blipFill>
-        <p:spPr>
-          <a:xfrm>
-            <a:off x="10457100" y="4534600"/>
+            <a:off x="7471142" y="4120114"/>
             <a:ext cx="1219200" cy="1219200"/>
           </a:xfrm>
           <a:prstGeom prst="rect">
@@ -12506,7 +11846,7 @@
     </p:spTree>
     <p:extLst>
       <p:ext uri="{BB962C8B-B14F-4D97-AF65-F5344CB8AC3E}">
-        <p14:creationId xmlns:p14="http://schemas.microsoft.com/office/powerpoint/2010/main" val="823657930"/>
+        <p14:creationId xmlns:p14="http://schemas.microsoft.com/office/powerpoint/2010/main" val="2451305448"/>
       </p:ext>
     </p:extLst>
   </p:cSld>
@@ -12556,7 +11896,7 @@
         </p:blipFill>
         <p:spPr>
           <a:xfrm>
-            <a:off x="130628" y="359229"/>
+            <a:off x="322686" y="250829"/>
             <a:ext cx="1219200" cy="1219200"/>
           </a:xfrm>
           <a:prstGeom prst="rect">
@@ -12587,7 +11927,7 @@
         </p:blipFill>
         <p:spPr>
           <a:xfrm>
-            <a:off x="94399" y="4550571"/>
+            <a:off x="1841371" y="306486"/>
             <a:ext cx="1219200" cy="1219200"/>
           </a:xfrm>
           <a:prstGeom prst="rect">
@@ -12618,7 +11958,7 @@
         </p:blipFill>
         <p:spPr>
           <a:xfrm>
-            <a:off x="94399" y="3153457"/>
+            <a:off x="3360056" y="250829"/>
             <a:ext cx="1219200" cy="1219200"/>
           </a:xfrm>
           <a:prstGeom prst="rect">
@@ -12649,7 +11989,7 @@
         </p:blipFill>
         <p:spPr>
           <a:xfrm>
-            <a:off x="94399" y="1756343"/>
+            <a:off x="4878741" y="249715"/>
             <a:ext cx="1219200" cy="1219200"/>
           </a:xfrm>
           <a:prstGeom prst="rect">
@@ -12680,7 +12020,7 @@
         </p:blipFill>
         <p:spPr>
           <a:xfrm>
-            <a:off x="1652285" y="359229"/>
+            <a:off x="7736400" y="249715"/>
             <a:ext cx="1219200" cy="1219200"/>
           </a:xfrm>
           <a:prstGeom prst="rect">
@@ -12711,7 +12051,7 @@
         </p:blipFill>
         <p:spPr>
           <a:xfrm>
-            <a:off x="1652285" y="1756343"/>
+            <a:off x="6396057" y="249715"/>
             <a:ext cx="1219200" cy="1219200"/>
           </a:xfrm>
           <a:prstGeom prst="rect">
@@ -12742,7 +12082,7 @@
         </p:blipFill>
         <p:spPr>
           <a:xfrm>
-            <a:off x="1652285" y="4550571"/>
+            <a:off x="322686" y="1525686"/>
             <a:ext cx="1219200" cy="1219200"/>
           </a:xfrm>
           <a:prstGeom prst="rect">
@@ -12773,7 +12113,7 @@
         </p:blipFill>
         <p:spPr>
           <a:xfrm>
-            <a:off x="1613599" y="3153457"/>
+            <a:off x="9120229" y="275315"/>
             <a:ext cx="1219200" cy="1219200"/>
           </a:xfrm>
           <a:prstGeom prst="rect">
@@ -12804,7 +12144,7 @@
         </p:blipFill>
         <p:spPr>
           <a:xfrm>
-            <a:off x="3173942" y="1813229"/>
+            <a:off x="10460572" y="306486"/>
             <a:ext cx="1219200" cy="1219200"/>
           </a:xfrm>
           <a:prstGeom prst="rect">
@@ -12835,7 +12175,7 @@
         </p:blipFill>
         <p:spPr>
           <a:xfrm>
-            <a:off x="3173942" y="359229"/>
+            <a:off x="3179485" y="1494515"/>
             <a:ext cx="1219200" cy="1219200"/>
           </a:xfrm>
           <a:prstGeom prst="rect">
@@ -12866,7 +12206,7 @@
         </p:blipFill>
         <p:spPr>
           <a:xfrm>
-            <a:off x="3198342" y="3153457"/>
+            <a:off x="1841371" y="1525686"/>
             <a:ext cx="1219200" cy="1219200"/>
           </a:xfrm>
           <a:prstGeom prst="rect">
@@ -12897,7 +12237,7 @@
         </p:blipFill>
         <p:spPr>
           <a:xfrm>
-            <a:off x="3157485" y="4607457"/>
+            <a:off x="4728943" y="1468915"/>
             <a:ext cx="1219200" cy="1219200"/>
           </a:xfrm>
           <a:prstGeom prst="rect">
@@ -12928,7 +12268,7 @@
         </p:blipFill>
         <p:spPr>
           <a:xfrm>
-            <a:off x="4695599" y="1756343"/>
+            <a:off x="7809086" y="1525686"/>
             <a:ext cx="1219200" cy="1219200"/>
           </a:xfrm>
           <a:prstGeom prst="rect">
@@ -12959,7 +12299,7 @@
         </p:blipFill>
         <p:spPr>
           <a:xfrm>
-            <a:off x="4727399" y="360686"/>
+            <a:off x="6376800" y="1525686"/>
             <a:ext cx="1219200" cy="1219200"/>
           </a:xfrm>
           <a:prstGeom prst="rect">
@@ -12990,7 +12330,7 @@
         </p:blipFill>
         <p:spPr>
           <a:xfrm>
-            <a:off x="6280856" y="359229"/>
+            <a:off x="9237900" y="1525686"/>
             <a:ext cx="1219200" cy="1219200"/>
           </a:xfrm>
           <a:prstGeom prst="rect">
@@ -13021,7 +12361,7 @@
         </p:blipFill>
         <p:spPr>
           <a:xfrm>
-            <a:off x="4783085" y="3247857"/>
+            <a:off x="10404571" y="1519943"/>
             <a:ext cx="1219200" cy="1219200"/>
           </a:xfrm>
           <a:prstGeom prst="rect">
@@ -13052,7 +12392,7 @@
         </p:blipFill>
         <p:spPr>
           <a:xfrm>
-            <a:off x="4826685" y="4643514"/>
+            <a:off x="1841371" y="3030143"/>
             <a:ext cx="1219200" cy="1219200"/>
           </a:xfrm>
           <a:prstGeom prst="rect">
@@ -13083,7 +12423,7 @@
         </p:blipFill>
         <p:spPr>
           <a:xfrm>
-            <a:off x="6280856" y="3247857"/>
+            <a:off x="322686" y="3030143"/>
             <a:ext cx="1219200" cy="1219200"/>
           </a:xfrm>
           <a:prstGeom prst="rect">
@@ -13114,7 +12454,7 @@
         </p:blipFill>
         <p:spPr>
           <a:xfrm>
-            <a:off x="6217256" y="1813229"/>
+            <a:off x="4728943" y="3030143"/>
             <a:ext cx="1219200" cy="1219200"/>
           </a:xfrm>
           <a:prstGeom prst="rect">
@@ -13145,7 +12485,7 @@
         </p:blipFill>
         <p:spPr>
           <a:xfrm>
-            <a:off x="7804999" y="1938286"/>
+            <a:off x="3338570" y="3030143"/>
             <a:ext cx="1219200" cy="1219200"/>
           </a:xfrm>
           <a:prstGeom prst="rect">
@@ -13176,7 +12516,7 @@
         </p:blipFill>
         <p:spPr>
           <a:xfrm>
-            <a:off x="7804999" y="412829"/>
+            <a:off x="1835343" y="4534600"/>
             <a:ext cx="1219200" cy="1219200"/>
           </a:xfrm>
           <a:prstGeom prst="rect">
@@ -13207,7 +12547,7 @@
         </p:blipFill>
         <p:spPr>
           <a:xfrm>
-            <a:off x="6280856" y="4607457"/>
+            <a:off x="322686" y="4534600"/>
             <a:ext cx="1219200" cy="1219200"/>
           </a:xfrm>
           <a:prstGeom prst="rect">
@@ -13238,7 +12578,7 @@
         </p:blipFill>
         <p:spPr>
           <a:xfrm>
-            <a:off x="9324170" y="412829"/>
+            <a:off x="6376800" y="3162943"/>
             <a:ext cx="1219200" cy="1219200"/>
           </a:xfrm>
           <a:prstGeom prst="rect">
@@ -13269,7 +12609,7 @@
         </p:blipFill>
         <p:spPr>
           <a:xfrm>
-            <a:off x="7778627" y="3247857"/>
+            <a:off x="10404571" y="3109800"/>
             <a:ext cx="1219200" cy="1219200"/>
           </a:xfrm>
           <a:prstGeom prst="rect">
@@ -13300,7 +12640,7 @@
         </p:blipFill>
         <p:spPr>
           <a:xfrm>
-            <a:off x="7804999" y="4683628"/>
+            <a:off x="3338570" y="4534600"/>
             <a:ext cx="1219200" cy="1219200"/>
           </a:xfrm>
           <a:prstGeom prst="rect">
@@ -13331,7 +12671,7 @@
         </p:blipFill>
         <p:spPr>
           <a:xfrm>
-            <a:off x="9392742" y="3247857"/>
+            <a:off x="4831171" y="4560286"/>
             <a:ext cx="1219200" cy="1219200"/>
           </a:xfrm>
           <a:prstGeom prst="rect">
@@ -13362,7 +12702,69 @@
         </p:blipFill>
         <p:spPr>
           <a:xfrm>
-            <a:off x="9392742" y="1813229"/>
+            <a:off x="9028286" y="4560286"/>
+            <a:ext cx="1219200" cy="1219200"/>
+          </a:xfrm>
+          <a:prstGeom prst="rect">
+            <a:avLst/>
+          </a:prstGeom>
+        </p:spPr>
+      </p:pic>
+      <p:pic>
+        <p:nvPicPr>
+          <p:cNvPr id="29" name="Picture 28"/>
+          <p:cNvPicPr>
+            <a:picLocks noChangeAspect="1"/>
+          </p:cNvPicPr>
+          <p:nvPr/>
+        </p:nvPicPr>
+        <p:blipFill>
+          <a:blip r:embed="rId29">
+            <a:lum bright="70000" contrast="-70000"/>
+            <a:extLst>
+              <a:ext uri="{28A0092B-C50C-407E-A947-70E740481C1C}">
+                <a14:useLocalDpi xmlns:a14="http://schemas.microsoft.com/office/drawing/2010/main" val="0"/>
+              </a:ext>
+            </a:extLst>
+          </a:blip>
+          <a:stretch>
+            <a:fillRect/>
+          </a:stretch>
+        </p:blipFill>
+        <p:spPr>
+          <a:xfrm>
+            <a:off x="8955600" y="3315400"/>
+            <a:ext cx="1219200" cy="1219200"/>
+          </a:xfrm>
+          <a:prstGeom prst="rect">
+            <a:avLst/>
+          </a:prstGeom>
+        </p:spPr>
+      </p:pic>
+      <p:pic>
+        <p:nvPicPr>
+          <p:cNvPr id="30" name="Picture 29"/>
+          <p:cNvPicPr>
+            <a:picLocks noChangeAspect="1"/>
+          </p:cNvPicPr>
+          <p:nvPr/>
+        </p:nvPicPr>
+        <p:blipFill>
+          <a:blip r:embed="rId30">
+            <a:lum bright="70000" contrast="-70000"/>
+            <a:extLst>
+              <a:ext uri="{28A0092B-C50C-407E-A947-70E740481C1C}">
+                <a14:useLocalDpi xmlns:a14="http://schemas.microsoft.com/office/drawing/2010/main" val="0"/>
+              </a:ext>
+            </a:extLst>
+          </a:blip>
+          <a:stretch>
+            <a:fillRect/>
+          </a:stretch>
+        </p:blipFill>
+        <p:spPr>
+          <a:xfrm>
+            <a:off x="10457100" y="4534600"/>
             <a:ext cx="1219200" cy="1219200"/>
           </a:xfrm>
           <a:prstGeom prst="rect">
@@ -13373,7 +12775,7 @@
     </p:spTree>
     <p:extLst>
       <p:ext uri="{BB962C8B-B14F-4D97-AF65-F5344CB8AC3E}">
-        <p14:creationId xmlns:p14="http://schemas.microsoft.com/office/powerpoint/2010/main" val="3126433562"/>
+        <p14:creationId xmlns:p14="http://schemas.microsoft.com/office/powerpoint/2010/main" val="823657930"/>
       </p:ext>
     </p:extLst>
   </p:cSld>
@@ -13423,7 +12825,7 @@
         </p:blipFill>
         <p:spPr>
           <a:xfrm>
-            <a:off x="643486" y="520286"/>
+            <a:off x="130628" y="359229"/>
             <a:ext cx="1219200" cy="1219200"/>
           </a:xfrm>
           <a:prstGeom prst="rect">
@@ -13454,7 +12856,7 @@
         </p:blipFill>
         <p:spPr>
           <a:xfrm>
-            <a:off x="654401" y="3364486"/>
+            <a:off x="94399" y="4550571"/>
             <a:ext cx="1219200" cy="1219200"/>
           </a:xfrm>
           <a:prstGeom prst="rect">
@@ -13485,7 +12887,7 @@
         </p:blipFill>
         <p:spPr>
           <a:xfrm>
-            <a:off x="571600" y="4830522"/>
+            <a:off x="94399" y="3153457"/>
             <a:ext cx="1219200" cy="1219200"/>
           </a:xfrm>
           <a:prstGeom prst="rect">
@@ -13516,7 +12918,7 @@
         </p:blipFill>
         <p:spPr>
           <a:xfrm>
-            <a:off x="2286800" y="4852844"/>
+            <a:off x="94399" y="1756343"/>
             <a:ext cx="1219200" cy="1219200"/>
           </a:xfrm>
           <a:prstGeom prst="rect">
@@ -13547,7 +12949,7 @@
         </p:blipFill>
         <p:spPr>
           <a:xfrm>
-            <a:off x="2155658" y="3397482"/>
+            <a:off x="1652285" y="359229"/>
             <a:ext cx="1219200" cy="1219200"/>
           </a:xfrm>
           <a:prstGeom prst="rect">
@@ -13578,7 +12980,7 @@
         </p:blipFill>
         <p:spPr>
           <a:xfrm>
-            <a:off x="2303086" y="1959441"/>
+            <a:off x="1652285" y="1756343"/>
             <a:ext cx="1219200" cy="1219200"/>
           </a:xfrm>
           <a:prstGeom prst="rect">
@@ -13609,7 +13011,7 @@
         </p:blipFill>
         <p:spPr>
           <a:xfrm>
-            <a:off x="2303086" y="521400"/>
+            <a:off x="1652285" y="4550571"/>
             <a:ext cx="1219200" cy="1219200"/>
           </a:xfrm>
           <a:prstGeom prst="rect">
@@ -13640,7 +13042,7 @@
         </p:blipFill>
         <p:spPr>
           <a:xfrm>
-            <a:off x="3878400" y="4868530"/>
+            <a:off x="1613599" y="3153457"/>
             <a:ext cx="1219200" cy="1219200"/>
           </a:xfrm>
           <a:prstGeom prst="rect">
@@ -13671,7 +13073,7 @@
         </p:blipFill>
         <p:spPr>
           <a:xfrm>
-            <a:off x="3907314" y="3421143"/>
+            <a:off x="3173942" y="1813229"/>
             <a:ext cx="1219200" cy="1219200"/>
           </a:xfrm>
           <a:prstGeom prst="rect">
@@ -13702,7 +13104,7 @@
         </p:blipFill>
         <p:spPr>
           <a:xfrm>
-            <a:off x="3907314" y="1750200"/>
+            <a:off x="3173942" y="359229"/>
             <a:ext cx="1219200" cy="1219200"/>
           </a:xfrm>
           <a:prstGeom prst="rect">
@@ -13733,7 +13135,7 @@
         </p:blipFill>
         <p:spPr>
           <a:xfrm>
-            <a:off x="4074799" y="371400"/>
+            <a:off x="3198342" y="3153457"/>
             <a:ext cx="1219200" cy="1219200"/>
           </a:xfrm>
           <a:prstGeom prst="rect">
@@ -13764,7 +13166,7 @@
         </p:blipFill>
         <p:spPr>
           <a:xfrm>
-            <a:off x="5554400" y="4868530"/>
+            <a:off x="3157485" y="4607457"/>
             <a:ext cx="1219200" cy="1219200"/>
           </a:xfrm>
           <a:prstGeom prst="rect">
@@ -13795,7 +13197,7 @@
         </p:blipFill>
         <p:spPr>
           <a:xfrm>
-            <a:off x="5554400" y="3364486"/>
+            <a:off x="4695599" y="1756343"/>
             <a:ext cx="1219200" cy="1219200"/>
           </a:xfrm>
           <a:prstGeom prst="rect">
@@ -13826,7 +13228,7 @@
         </p:blipFill>
         <p:spPr>
           <a:xfrm>
-            <a:off x="5554400" y="1750200"/>
+            <a:off x="4727399" y="360686"/>
             <a:ext cx="1219200" cy="1219200"/>
           </a:xfrm>
           <a:prstGeom prst="rect">
@@ -13857,7 +13259,7 @@
         </p:blipFill>
         <p:spPr>
           <a:xfrm>
-            <a:off x="5734399" y="361800"/>
+            <a:off x="6280856" y="359229"/>
             <a:ext cx="1219200" cy="1219200"/>
           </a:xfrm>
           <a:prstGeom prst="rect">
@@ -13888,7 +13290,7 @@
         </p:blipFill>
         <p:spPr>
           <a:xfrm>
-            <a:off x="7228400" y="4868530"/>
+            <a:off x="4783085" y="3247857"/>
             <a:ext cx="1219200" cy="1219200"/>
           </a:xfrm>
           <a:prstGeom prst="rect">
@@ -13919,7 +13321,7 @@
         </p:blipFill>
         <p:spPr>
           <a:xfrm>
-            <a:off x="8984800" y="4872758"/>
+            <a:off x="4826685" y="4643514"/>
             <a:ext cx="1219200" cy="1219200"/>
           </a:xfrm>
           <a:prstGeom prst="rect">
@@ -13950,7 +13352,7 @@
         </p:blipFill>
         <p:spPr>
           <a:xfrm>
-            <a:off x="10576400" y="4872758"/>
+            <a:off x="6280856" y="3247857"/>
             <a:ext cx="1219200" cy="1219200"/>
           </a:xfrm>
           <a:prstGeom prst="rect">
@@ -13981,7 +13383,7 @@
         </p:blipFill>
         <p:spPr>
           <a:xfrm>
-            <a:off x="7337714" y="3421143"/>
+            <a:off x="6217256" y="1813229"/>
             <a:ext cx="1219200" cy="1219200"/>
           </a:xfrm>
           <a:prstGeom prst="rect">
@@ -14012,7 +13414,7 @@
         </p:blipFill>
         <p:spPr>
           <a:xfrm>
-            <a:off x="7337714" y="1791156"/>
+            <a:off x="7804999" y="1938286"/>
             <a:ext cx="1219200" cy="1219200"/>
           </a:xfrm>
           <a:prstGeom prst="rect">
@@ -14043,7 +13445,7 @@
         </p:blipFill>
         <p:spPr>
           <a:xfrm>
-            <a:off x="7337714" y="435085"/>
+            <a:off x="7804999" y="412829"/>
             <a:ext cx="1219200" cy="1219200"/>
           </a:xfrm>
           <a:prstGeom prst="rect">
@@ -14074,7 +13476,7 @@
         </p:blipFill>
         <p:spPr>
           <a:xfrm>
-            <a:off x="8953200" y="3384857"/>
+            <a:off x="6280856" y="4607457"/>
             <a:ext cx="1219200" cy="1219200"/>
           </a:xfrm>
           <a:prstGeom prst="rect">
@@ -14105,7 +13507,7 @@
         </p:blipFill>
         <p:spPr>
           <a:xfrm>
-            <a:off x="8984800" y="1816042"/>
+            <a:off x="9324170" y="412829"/>
             <a:ext cx="1219200" cy="1219200"/>
           </a:xfrm>
           <a:prstGeom prst="rect">
@@ -14136,7 +13538,7 @@
         </p:blipFill>
         <p:spPr>
           <a:xfrm>
-            <a:off x="10683085" y="3400200"/>
+            <a:off x="7778627" y="3247857"/>
             <a:ext cx="1219200" cy="1219200"/>
           </a:xfrm>
           <a:prstGeom prst="rect">
@@ -14167,7 +13569,7 @@
         </p:blipFill>
         <p:spPr>
           <a:xfrm>
-            <a:off x="8984800" y="326114"/>
+            <a:off x="7804999" y="4683628"/>
             <a:ext cx="1219200" cy="1219200"/>
           </a:xfrm>
           <a:prstGeom prst="rect">
@@ -14198,7 +13600,7 @@
         </p:blipFill>
         <p:spPr>
           <a:xfrm>
-            <a:off x="10504000" y="1927642"/>
+            <a:off x="9392742" y="3247857"/>
             <a:ext cx="1219200" cy="1219200"/>
           </a:xfrm>
           <a:prstGeom prst="rect">
@@ -14229,7 +13631,7 @@
         </p:blipFill>
         <p:spPr>
           <a:xfrm>
-            <a:off x="10504000" y="314828"/>
+            <a:off x="9392742" y="1813229"/>
             <a:ext cx="1219200" cy="1219200"/>
           </a:xfrm>
           <a:prstGeom prst="rect">
@@ -14240,7 +13642,7 @@
     </p:spTree>
     <p:extLst>
       <p:ext uri="{BB962C8B-B14F-4D97-AF65-F5344CB8AC3E}">
-        <p14:creationId xmlns:p14="http://schemas.microsoft.com/office/powerpoint/2010/main" val="399454265"/>
+        <p14:creationId xmlns:p14="http://schemas.microsoft.com/office/powerpoint/2010/main" val="3126433562"/>
       </p:ext>
     </p:extLst>
   </p:cSld>
@@ -14290,7 +13692,7 @@
         </p:blipFill>
         <p:spPr>
           <a:xfrm>
-            <a:off x="166914" y="286715"/>
+            <a:off x="643486" y="520286"/>
             <a:ext cx="1219200" cy="1219200"/>
           </a:xfrm>
           <a:prstGeom prst="rect">
@@ -14321,7 +13723,7 @@
         </p:blipFill>
         <p:spPr>
           <a:xfrm>
-            <a:off x="166914" y="4395429"/>
+            <a:off x="654401" y="3364486"/>
             <a:ext cx="1219200" cy="1219200"/>
           </a:xfrm>
           <a:prstGeom prst="rect">
@@ -14352,7 +13754,7 @@
         </p:blipFill>
         <p:spPr>
           <a:xfrm>
-            <a:off x="166914" y="3069944"/>
+            <a:off x="571600" y="4830522"/>
             <a:ext cx="1219200" cy="1219200"/>
           </a:xfrm>
           <a:prstGeom prst="rect">
@@ -14383,7 +13785,7 @@
         </p:blipFill>
         <p:spPr>
           <a:xfrm>
-            <a:off x="254057" y="1744459"/>
+            <a:off x="2286800" y="4852844"/>
             <a:ext cx="1219200" cy="1219200"/>
           </a:xfrm>
           <a:prstGeom prst="rect">
@@ -14414,7 +13816,7 @@
         </p:blipFill>
         <p:spPr>
           <a:xfrm>
-            <a:off x="2114343" y="1662173"/>
+            <a:off x="2155658" y="3397482"/>
             <a:ext cx="1219200" cy="1219200"/>
           </a:xfrm>
           <a:prstGeom prst="rect">
@@ -14445,7 +13847,7 @@
         </p:blipFill>
         <p:spPr>
           <a:xfrm>
-            <a:off x="2114343" y="286715"/>
+            <a:off x="2303086" y="1959441"/>
             <a:ext cx="1219200" cy="1219200"/>
           </a:xfrm>
           <a:prstGeom prst="rect">
@@ -14476,7 +13878,7 @@
         </p:blipFill>
         <p:spPr>
           <a:xfrm>
-            <a:off x="2114343" y="3037631"/>
+            <a:off x="2303086" y="521400"/>
             <a:ext cx="1219200" cy="1219200"/>
           </a:xfrm>
           <a:prstGeom prst="rect">
@@ -14507,7 +13909,7 @@
         </p:blipFill>
         <p:spPr>
           <a:xfrm>
-            <a:off x="3873029" y="286715"/>
+            <a:off x="3878400" y="4868530"/>
             <a:ext cx="1219200" cy="1219200"/>
           </a:xfrm>
           <a:prstGeom prst="rect">
@@ -14538,7 +13940,7 @@
         </p:blipFill>
         <p:spPr>
           <a:xfrm>
-            <a:off x="2040743" y="4414490"/>
+            <a:off x="3907314" y="3421143"/>
             <a:ext cx="1219200" cy="1219200"/>
           </a:xfrm>
           <a:prstGeom prst="rect">
@@ -14569,7 +13971,7 @@
         </p:blipFill>
         <p:spPr>
           <a:xfrm>
-            <a:off x="3733828" y="4505915"/>
+            <a:off x="3907314" y="1750200"/>
             <a:ext cx="1219200" cy="1219200"/>
           </a:xfrm>
           <a:prstGeom prst="rect">
@@ -14600,7 +14002,7 @@
         </p:blipFill>
         <p:spPr>
           <a:xfrm>
-            <a:off x="3873029" y="1636715"/>
+            <a:off x="4074799" y="371400"/>
             <a:ext cx="1219200" cy="1219200"/>
           </a:xfrm>
           <a:prstGeom prst="rect">
@@ -14631,7 +14033,7 @@
         </p:blipFill>
         <p:spPr>
           <a:xfrm>
-            <a:off x="3899200" y="3136715"/>
+            <a:off x="5554400" y="4868530"/>
             <a:ext cx="1219200" cy="1219200"/>
           </a:xfrm>
           <a:prstGeom prst="rect">
@@ -14662,7 +14064,7 @@
         </p:blipFill>
         <p:spPr>
           <a:xfrm>
-            <a:off x="7286457" y="286715"/>
+            <a:off x="5554400" y="3364486"/>
             <a:ext cx="1219200" cy="1219200"/>
           </a:xfrm>
           <a:prstGeom prst="rect">
@@ -14693,7 +14095,7 @@
         </p:blipFill>
         <p:spPr>
           <a:xfrm>
-            <a:off x="5634543" y="1636715"/>
+            <a:off x="5554400" y="1750200"/>
             <a:ext cx="1219200" cy="1219200"/>
           </a:xfrm>
           <a:prstGeom prst="rect">
@@ -14724,7 +14126,7 @@
         </p:blipFill>
         <p:spPr>
           <a:xfrm>
-            <a:off x="10680457" y="3202203"/>
+            <a:off x="5734399" y="361800"/>
             <a:ext cx="1219200" cy="1219200"/>
           </a:xfrm>
           <a:prstGeom prst="rect">
@@ -14755,7 +14157,7 @@
         </p:blipFill>
         <p:spPr>
           <a:xfrm>
-            <a:off x="9215543" y="1744459"/>
+            <a:off x="7228400" y="4868530"/>
             <a:ext cx="1219200" cy="1219200"/>
           </a:xfrm>
           <a:prstGeom prst="rect">
@@ -14786,7 +14188,7 @@
         </p:blipFill>
         <p:spPr>
           <a:xfrm>
-            <a:off x="7396057" y="1805915"/>
+            <a:off x="8984800" y="4872758"/>
             <a:ext cx="1219200" cy="1219200"/>
           </a:xfrm>
           <a:prstGeom prst="rect">
@@ -14817,7 +14219,7 @@
         </p:blipFill>
         <p:spPr>
           <a:xfrm>
-            <a:off x="9167543" y="286715"/>
+            <a:off x="10576400" y="4872758"/>
             <a:ext cx="1219200" cy="1219200"/>
           </a:xfrm>
           <a:prstGeom prst="rect">
@@ -14848,7 +14250,7 @@
         </p:blipFill>
         <p:spPr>
           <a:xfrm>
-            <a:off x="10680457" y="1744459"/>
+            <a:off x="7337714" y="3421143"/>
             <a:ext cx="1219200" cy="1219200"/>
           </a:xfrm>
           <a:prstGeom prst="rect">
@@ -14879,7 +14281,7 @@
         </p:blipFill>
         <p:spPr>
           <a:xfrm>
-            <a:off x="10680457" y="286715"/>
+            <a:off x="7337714" y="1791156"/>
             <a:ext cx="1219200" cy="1219200"/>
           </a:xfrm>
           <a:prstGeom prst="rect">
@@ -14910,7 +14312,7 @@
         </p:blipFill>
         <p:spPr>
           <a:xfrm>
-            <a:off x="7396057" y="3202203"/>
+            <a:off x="7337714" y="435085"/>
             <a:ext cx="1219200" cy="1219200"/>
           </a:xfrm>
           <a:prstGeom prst="rect">
@@ -14941,7 +14343,7 @@
         </p:blipFill>
         <p:spPr>
           <a:xfrm>
-            <a:off x="9285314" y="3202203"/>
+            <a:off x="8953200" y="3384857"/>
             <a:ext cx="1219200" cy="1219200"/>
           </a:xfrm>
           <a:prstGeom prst="rect">
@@ -14972,7 +14374,7 @@
         </p:blipFill>
         <p:spPr>
           <a:xfrm>
-            <a:off x="7396057" y="4665515"/>
+            <a:off x="8984800" y="1816042"/>
             <a:ext cx="1219200" cy="1219200"/>
           </a:xfrm>
           <a:prstGeom prst="rect">
@@ -15003,7 +14405,7 @@
         </p:blipFill>
         <p:spPr>
           <a:xfrm>
-            <a:off x="9279343" y="4665515"/>
+            <a:off x="10683085" y="3400200"/>
             <a:ext cx="1219200" cy="1219200"/>
           </a:xfrm>
           <a:prstGeom prst="rect">
@@ -15034,7 +14436,7 @@
         </p:blipFill>
         <p:spPr>
           <a:xfrm>
-            <a:off x="10694114" y="4665515"/>
+            <a:off x="8984800" y="326114"/>
             <a:ext cx="1219200" cy="1219200"/>
           </a:xfrm>
           <a:prstGeom prst="rect">
@@ -15065,7 +14467,7 @@
         </p:blipFill>
         <p:spPr>
           <a:xfrm>
-            <a:off x="5634543" y="3176229"/>
+            <a:off x="10504000" y="1927642"/>
             <a:ext cx="1219200" cy="1219200"/>
           </a:xfrm>
           <a:prstGeom prst="rect">
@@ -15096,7 +14498,7 @@
         </p:blipFill>
         <p:spPr>
           <a:xfrm>
-            <a:off x="5634543" y="286715"/>
+            <a:off x="10504000" y="314828"/>
             <a:ext cx="1219200" cy="1219200"/>
           </a:xfrm>
           <a:prstGeom prst="rect">
@@ -15107,7 +14509,7 @@
     </p:spTree>
     <p:extLst>
       <p:ext uri="{BB962C8B-B14F-4D97-AF65-F5344CB8AC3E}">
-        <p14:creationId xmlns:p14="http://schemas.microsoft.com/office/powerpoint/2010/main" val="3324423259"/>
+        <p14:creationId xmlns:p14="http://schemas.microsoft.com/office/powerpoint/2010/main" val="399454265"/>
       </p:ext>
     </p:extLst>
   </p:cSld>
@@ -15157,7 +14559,7 @@
         </p:blipFill>
         <p:spPr>
           <a:xfrm>
-            <a:off x="2066300" y="4482743"/>
+            <a:off x="166914" y="286715"/>
             <a:ext cx="1219200" cy="1219200"/>
           </a:xfrm>
           <a:prstGeom prst="rect">
@@ -15188,7 +14590,7 @@
         </p:blipFill>
         <p:spPr>
           <a:xfrm>
-            <a:off x="3544387" y="3100200"/>
+            <a:off x="166914" y="4395429"/>
             <a:ext cx="1219200" cy="1219200"/>
           </a:xfrm>
           <a:prstGeom prst="rect">
@@ -15219,7 +14621,7 @@
         </p:blipFill>
         <p:spPr>
           <a:xfrm>
-            <a:off x="1959644" y="3077257"/>
+            <a:off x="166914" y="3069944"/>
             <a:ext cx="1219200" cy="1219200"/>
           </a:xfrm>
           <a:prstGeom prst="rect">
@@ -15250,7 +14652,7 @@
         </p:blipFill>
         <p:spPr>
           <a:xfrm>
-            <a:off x="220687" y="3077257"/>
+            <a:off x="254057" y="1744459"/>
             <a:ext cx="1219200" cy="1219200"/>
           </a:xfrm>
           <a:prstGeom prst="rect">
@@ -15281,7 +14683,7 @@
         </p:blipFill>
         <p:spPr>
           <a:xfrm>
-            <a:off x="252087" y="4629000"/>
+            <a:off x="2114343" y="1662173"/>
             <a:ext cx="1219200" cy="1219200"/>
           </a:xfrm>
           <a:prstGeom prst="rect">
@@ -15312,7 +14714,7 @@
         </p:blipFill>
         <p:spPr>
           <a:xfrm>
-            <a:off x="1959644" y="1565771"/>
+            <a:off x="2114343" y="286715"/>
             <a:ext cx="1219200" cy="1219200"/>
           </a:xfrm>
           <a:prstGeom prst="rect">
@@ -15343,7 +14745,7 @@
         </p:blipFill>
         <p:spPr>
           <a:xfrm>
-            <a:off x="3652987" y="4539457"/>
+            <a:off x="2114343" y="3037631"/>
             <a:ext cx="1219200" cy="1219200"/>
           </a:xfrm>
           <a:prstGeom prst="rect">
@@ -15374,7 +14776,7 @@
         </p:blipFill>
         <p:spPr>
           <a:xfrm>
-            <a:off x="2066300" y="346571"/>
+            <a:off x="3873029" y="286715"/>
             <a:ext cx="1219200" cy="1219200"/>
           </a:xfrm>
           <a:prstGeom prst="rect">
@@ -15405,7 +14807,7 @@
         </p:blipFill>
         <p:spPr>
           <a:xfrm>
-            <a:off x="5317644" y="358887"/>
+            <a:off x="2040743" y="4414490"/>
             <a:ext cx="1219200" cy="1219200"/>
           </a:xfrm>
           <a:prstGeom prst="rect">
@@ -15436,7 +14838,7 @@
         </p:blipFill>
         <p:spPr>
           <a:xfrm>
-            <a:off x="3638644" y="1685343"/>
+            <a:off x="3733828" y="4505915"/>
             <a:ext cx="1219200" cy="1219200"/>
           </a:xfrm>
           <a:prstGeom prst="rect">
@@ -15467,7 +14869,7 @@
         </p:blipFill>
         <p:spPr>
           <a:xfrm>
-            <a:off x="3638644" y="368315"/>
+            <a:off x="3873029" y="1636715"/>
             <a:ext cx="1219200" cy="1219200"/>
           </a:xfrm>
           <a:prstGeom prst="rect">
@@ -15498,7 +14900,7 @@
         </p:blipFill>
         <p:spPr>
           <a:xfrm>
-            <a:off x="5317644" y="4609800"/>
+            <a:off x="3899200" y="3136715"/>
             <a:ext cx="1219200" cy="1219200"/>
           </a:xfrm>
           <a:prstGeom prst="rect">
@@ -15529,7 +14931,7 @@
         </p:blipFill>
         <p:spPr>
           <a:xfrm>
-            <a:off x="5317644" y="1823228"/>
+            <a:off x="7286457" y="286715"/>
             <a:ext cx="1219200" cy="1219200"/>
           </a:xfrm>
           <a:prstGeom prst="rect">
@@ -15560,7 +14962,7 @@
         </p:blipFill>
         <p:spPr>
           <a:xfrm>
-            <a:off x="5317644" y="3208114"/>
+            <a:off x="5634543" y="1636715"/>
             <a:ext cx="1219200" cy="1219200"/>
           </a:xfrm>
           <a:prstGeom prst="rect">
@@ -15591,7 +14993,7 @@
         </p:blipFill>
         <p:spPr>
           <a:xfrm>
-            <a:off x="7078800" y="368315"/>
+            <a:off x="10680457" y="3202203"/>
             <a:ext cx="1219200" cy="1219200"/>
           </a:xfrm>
           <a:prstGeom prst="rect">
@@ -15622,7 +15024,7 @@
         </p:blipFill>
         <p:spPr>
           <a:xfrm>
-            <a:off x="7129600" y="1793142"/>
+            <a:off x="9215543" y="1744459"/>
             <a:ext cx="1219200" cy="1219200"/>
           </a:xfrm>
           <a:prstGeom prst="rect">
@@ -15653,7 +15055,7 @@
         </p:blipFill>
         <p:spPr>
           <a:xfrm>
-            <a:off x="7129600" y="3320257"/>
+            <a:off x="7396057" y="1805915"/>
             <a:ext cx="1219200" cy="1219200"/>
           </a:xfrm>
           <a:prstGeom prst="rect">
@@ -15684,7 +15086,7 @@
         </p:blipFill>
         <p:spPr>
           <a:xfrm>
-            <a:off x="7192200" y="4609800"/>
+            <a:off x="9167543" y="286715"/>
             <a:ext cx="1219200" cy="1219200"/>
           </a:xfrm>
           <a:prstGeom prst="rect">
@@ -15715,7 +15117,7 @@
         </p:blipFill>
         <p:spPr>
           <a:xfrm>
-            <a:off x="8757800" y="466143"/>
+            <a:off x="10680457" y="1744459"/>
             <a:ext cx="1219200" cy="1219200"/>
           </a:xfrm>
           <a:prstGeom prst="rect">
@@ -15746,7 +15148,7 @@
         </p:blipFill>
         <p:spPr>
           <a:xfrm>
-            <a:off x="8736429" y="3349857"/>
+            <a:off x="10680457" y="286715"/>
             <a:ext cx="1219200" cy="1219200"/>
           </a:xfrm>
           <a:prstGeom prst="rect">
@@ -15777,7 +15179,7 @@
         </p:blipFill>
         <p:spPr>
           <a:xfrm>
-            <a:off x="8786400" y="1865429"/>
+            <a:off x="7396057" y="3202203"/>
             <a:ext cx="1219200" cy="1219200"/>
           </a:xfrm>
           <a:prstGeom prst="rect">
@@ -15808,7 +15210,7 @@
         </p:blipFill>
         <p:spPr>
           <a:xfrm>
-            <a:off x="8729630" y="4750200"/>
+            <a:off x="9285314" y="3202203"/>
             <a:ext cx="1219200" cy="1219200"/>
           </a:xfrm>
           <a:prstGeom prst="rect">
@@ -15839,7 +15241,7 @@
         </p:blipFill>
         <p:spPr>
           <a:xfrm>
-            <a:off x="10436800" y="3320257"/>
+            <a:off x="7396057" y="4665515"/>
             <a:ext cx="1219200" cy="1219200"/>
           </a:xfrm>
           <a:prstGeom prst="rect">
@@ -15870,7 +15272,7 @@
         </p:blipFill>
         <p:spPr>
           <a:xfrm>
-            <a:off x="10525357" y="1988914"/>
+            <a:off x="9279343" y="4665515"/>
             <a:ext cx="1219200" cy="1219200"/>
           </a:xfrm>
           <a:prstGeom prst="rect">
@@ -15901,7 +15303,7 @@
         </p:blipFill>
         <p:spPr>
           <a:xfrm>
-            <a:off x="10436800" y="466143"/>
+            <a:off x="10694114" y="4665515"/>
             <a:ext cx="1219200" cy="1219200"/>
           </a:xfrm>
           <a:prstGeom prst="rect">
@@ -15932,7 +15334,7 @@
         </p:blipFill>
         <p:spPr>
           <a:xfrm>
-            <a:off x="249658" y="1685343"/>
+            <a:off x="5634543" y="3176229"/>
             <a:ext cx="1219200" cy="1219200"/>
           </a:xfrm>
           <a:prstGeom prst="rect">
@@ -15963,7 +15365,7 @@
         </p:blipFill>
         <p:spPr>
           <a:xfrm>
-            <a:off x="249658" y="325857"/>
+            <a:off x="5634543" y="286715"/>
             <a:ext cx="1219200" cy="1219200"/>
           </a:xfrm>
           <a:prstGeom prst="rect">
@@ -15974,7 +15376,7 @@
     </p:spTree>
     <p:extLst>
       <p:ext uri="{BB962C8B-B14F-4D97-AF65-F5344CB8AC3E}">
-        <p14:creationId xmlns:p14="http://schemas.microsoft.com/office/powerpoint/2010/main" val="438152526"/>
+        <p14:creationId xmlns:p14="http://schemas.microsoft.com/office/powerpoint/2010/main" val="3324423259"/>
       </p:ext>
     </p:extLst>
   </p:cSld>
@@ -16024,7 +15426,7 @@
         </p:blipFill>
         <p:spPr>
           <a:xfrm>
-            <a:off x="297543" y="293914"/>
+            <a:off x="2066300" y="4482743"/>
             <a:ext cx="1219200" cy="1219200"/>
           </a:xfrm>
           <a:prstGeom prst="rect">
@@ -16055,7 +15457,7 @@
         </p:blipFill>
         <p:spPr>
           <a:xfrm>
-            <a:off x="297543" y="1670372"/>
+            <a:off x="3544387" y="3100200"/>
             <a:ext cx="1219200" cy="1219200"/>
           </a:xfrm>
           <a:prstGeom prst="rect">
@@ -16086,7 +15488,7 @@
         </p:blipFill>
         <p:spPr>
           <a:xfrm>
-            <a:off x="375086" y="4580546"/>
+            <a:off x="1959644" y="3077257"/>
             <a:ext cx="1219200" cy="1219200"/>
           </a:xfrm>
           <a:prstGeom prst="rect">
@@ -16117,7 +15519,7 @@
         </p:blipFill>
         <p:spPr>
           <a:xfrm>
-            <a:off x="355657" y="3046830"/>
+            <a:off x="220687" y="3077257"/>
             <a:ext cx="1219200" cy="1219200"/>
           </a:xfrm>
           <a:prstGeom prst="rect">
@@ -16148,7 +15550,7 @@
         </p:blipFill>
         <p:spPr>
           <a:xfrm>
-            <a:off x="2065943" y="219000"/>
+            <a:off x="252087" y="4629000"/>
             <a:ext cx="1219200" cy="1219200"/>
           </a:xfrm>
           <a:prstGeom prst="rect">
@@ -16179,7 +15581,7 @@
         </p:blipFill>
         <p:spPr>
           <a:xfrm>
-            <a:off x="2065943" y="3100200"/>
+            <a:off x="1959644" y="1565771"/>
             <a:ext cx="1219200" cy="1219200"/>
           </a:xfrm>
           <a:prstGeom prst="rect">
@@ -16210,7 +15612,7 @@
         </p:blipFill>
         <p:spPr>
           <a:xfrm>
-            <a:off x="1974058" y="1670372"/>
+            <a:off x="3652987" y="4539457"/>
             <a:ext cx="1219200" cy="1219200"/>
           </a:xfrm>
           <a:prstGeom prst="rect">
@@ -16241,7 +15643,7 @@
         </p:blipFill>
         <p:spPr>
           <a:xfrm>
-            <a:off x="2030971" y="4594343"/>
+            <a:off x="2066300" y="346571"/>
             <a:ext cx="1219200" cy="1219200"/>
           </a:xfrm>
           <a:prstGeom prst="rect">
@@ -16272,7 +15674,7 @@
         </p:blipFill>
         <p:spPr>
           <a:xfrm>
-            <a:off x="3834343" y="219000"/>
+            <a:off x="5317644" y="358887"/>
             <a:ext cx="1219200" cy="1219200"/>
           </a:xfrm>
           <a:prstGeom prst="rect">
@@ -16303,7 +15705,7 @@
         </p:blipFill>
         <p:spPr>
           <a:xfrm>
-            <a:off x="3939743" y="4580546"/>
+            <a:off x="3638644" y="1685343"/>
             <a:ext cx="1219200" cy="1219200"/>
           </a:xfrm>
           <a:prstGeom prst="rect">
@@ -16334,7 +15736,7 @@
         </p:blipFill>
         <p:spPr>
           <a:xfrm>
-            <a:off x="3894857" y="1708115"/>
+            <a:off x="3638644" y="368315"/>
             <a:ext cx="1219200" cy="1219200"/>
           </a:xfrm>
           <a:prstGeom prst="rect">
@@ -16365,7 +15767,7 @@
         </p:blipFill>
         <p:spPr>
           <a:xfrm>
-            <a:off x="3941886" y="3046830"/>
+            <a:off x="5317644" y="4609800"/>
             <a:ext cx="1219200" cy="1219200"/>
           </a:xfrm>
           <a:prstGeom prst="rect">
@@ -16396,7 +15798,7 @@
         </p:blipFill>
         <p:spPr>
           <a:xfrm>
-            <a:off x="5571372" y="1767343"/>
+            <a:off x="5317644" y="1823228"/>
             <a:ext cx="1219200" cy="1219200"/>
           </a:xfrm>
           <a:prstGeom prst="rect">
@@ -16427,7 +15829,7 @@
         </p:blipFill>
         <p:spPr>
           <a:xfrm>
-            <a:off x="5602743" y="293914"/>
+            <a:off x="5317644" y="3208114"/>
             <a:ext cx="1219200" cy="1219200"/>
           </a:xfrm>
           <a:prstGeom prst="rect">
@@ -16458,7 +15860,7 @@
         </p:blipFill>
         <p:spPr>
           <a:xfrm>
-            <a:off x="5571372" y="3240772"/>
+            <a:off x="7078800" y="368315"/>
             <a:ext cx="1219200" cy="1219200"/>
           </a:xfrm>
           <a:prstGeom prst="rect">
@@ -16489,7 +15891,7 @@
         </p:blipFill>
         <p:spPr>
           <a:xfrm>
-            <a:off x="7117200" y="388543"/>
+            <a:off x="7129600" y="1793142"/>
             <a:ext cx="1219200" cy="1219200"/>
           </a:xfrm>
           <a:prstGeom prst="rect">
@@ -16520,7 +15922,7 @@
         </p:blipFill>
         <p:spPr>
           <a:xfrm>
-            <a:off x="7211944" y="1819487"/>
+            <a:off x="7129600" y="3320257"/>
             <a:ext cx="1219200" cy="1219200"/>
           </a:xfrm>
           <a:prstGeom prst="rect">
@@ -16551,7 +15953,7 @@
         </p:blipFill>
         <p:spPr>
           <a:xfrm>
-            <a:off x="5624857" y="4609800"/>
+            <a:off x="7192200" y="4609800"/>
             <a:ext cx="1219200" cy="1219200"/>
           </a:xfrm>
           <a:prstGeom prst="rect">
@@ -16582,7 +15984,7 @@
         </p:blipFill>
         <p:spPr>
           <a:xfrm>
-            <a:off x="7284514" y="3295545"/>
+            <a:off x="8757800" y="466143"/>
             <a:ext cx="1219200" cy="1219200"/>
           </a:xfrm>
           <a:prstGeom prst="rect">
@@ -16613,7 +16015,7 @@
         </p:blipFill>
         <p:spPr>
           <a:xfrm>
-            <a:off x="7309971" y="4675172"/>
+            <a:off x="8736429" y="3349857"/>
             <a:ext cx="1219200" cy="1219200"/>
           </a:xfrm>
           <a:prstGeom prst="rect">
@@ -16644,7 +16046,7 @@
         </p:blipFill>
         <p:spPr>
           <a:xfrm>
-            <a:off x="8636400" y="399829"/>
+            <a:off x="8786400" y="1865429"/>
             <a:ext cx="1219200" cy="1219200"/>
           </a:xfrm>
           <a:prstGeom prst="rect">
@@ -16675,7 +16077,7 @@
         </p:blipFill>
         <p:spPr>
           <a:xfrm>
-            <a:off x="10392629" y="488915"/>
+            <a:off x="8729630" y="4750200"/>
             <a:ext cx="1219200" cy="1219200"/>
           </a:xfrm>
           <a:prstGeom prst="rect">
@@ -16706,7 +16108,7 @@
         </p:blipFill>
         <p:spPr>
           <a:xfrm>
-            <a:off x="8731257" y="1827630"/>
+            <a:off x="10436800" y="3320257"/>
             <a:ext cx="1219200" cy="1219200"/>
           </a:xfrm>
           <a:prstGeom prst="rect">
@@ -16737,7 +16139,7 @@
         </p:blipFill>
         <p:spPr>
           <a:xfrm>
-            <a:off x="8784057" y="4774428"/>
+            <a:off x="10525357" y="1988914"/>
             <a:ext cx="1219200" cy="1219200"/>
           </a:xfrm>
           <a:prstGeom prst="rect">
@@ -16768,7 +16170,7 @@
         </p:blipFill>
         <p:spPr>
           <a:xfrm>
-            <a:off x="10396399" y="3390600"/>
+            <a:off x="10436800" y="466143"/>
             <a:ext cx="1219200" cy="1219200"/>
           </a:xfrm>
           <a:prstGeom prst="rect">
@@ -16799,7 +16201,7 @@
         </p:blipFill>
         <p:spPr>
           <a:xfrm>
-            <a:off x="10349658" y="2076345"/>
+            <a:off x="249658" y="1685343"/>
             <a:ext cx="1219200" cy="1219200"/>
           </a:xfrm>
           <a:prstGeom prst="rect">
@@ -16830,7 +16232,7 @@
         </p:blipFill>
         <p:spPr>
           <a:xfrm>
-            <a:off x="8773943" y="3438915"/>
+            <a:off x="249658" y="325857"/>
             <a:ext cx="1219200" cy="1219200"/>
           </a:xfrm>
           <a:prstGeom prst="rect">
@@ -16841,7 +16243,7 @@
     </p:spTree>
     <p:extLst>
       <p:ext uri="{BB962C8B-B14F-4D97-AF65-F5344CB8AC3E}">
-        <p14:creationId xmlns:p14="http://schemas.microsoft.com/office/powerpoint/2010/main" val="214978686"/>
+        <p14:creationId xmlns:p14="http://schemas.microsoft.com/office/powerpoint/2010/main" val="438152526"/>
       </p:ext>
     </p:extLst>
   </p:cSld>
@@ -16965,6 +16367,873 @@
         </p:blipFill>
         <p:spPr>
           <a:xfrm>
+            <a:off x="297543" y="293914"/>
+            <a:ext cx="1219200" cy="1219200"/>
+          </a:xfrm>
+          <a:prstGeom prst="rect">
+            <a:avLst/>
+          </a:prstGeom>
+        </p:spPr>
+      </p:pic>
+      <p:pic>
+        <p:nvPicPr>
+          <p:cNvPr id="3" name="Picture 2"/>
+          <p:cNvPicPr>
+            <a:picLocks noChangeAspect="1"/>
+          </p:cNvPicPr>
+          <p:nvPr/>
+        </p:nvPicPr>
+        <p:blipFill>
+          <a:blip r:embed="rId3">
+            <a:lum bright="70000" contrast="-70000"/>
+            <a:extLst>
+              <a:ext uri="{28A0092B-C50C-407E-A947-70E740481C1C}">
+                <a14:useLocalDpi xmlns:a14="http://schemas.microsoft.com/office/drawing/2010/main" val="0"/>
+              </a:ext>
+            </a:extLst>
+          </a:blip>
+          <a:stretch>
+            <a:fillRect/>
+          </a:stretch>
+        </p:blipFill>
+        <p:spPr>
+          <a:xfrm>
+            <a:off x="297543" y="1670372"/>
+            <a:ext cx="1219200" cy="1219200"/>
+          </a:xfrm>
+          <a:prstGeom prst="rect">
+            <a:avLst/>
+          </a:prstGeom>
+        </p:spPr>
+      </p:pic>
+      <p:pic>
+        <p:nvPicPr>
+          <p:cNvPr id="4" name="Picture 3"/>
+          <p:cNvPicPr>
+            <a:picLocks noChangeAspect="1"/>
+          </p:cNvPicPr>
+          <p:nvPr/>
+        </p:nvPicPr>
+        <p:blipFill>
+          <a:blip r:embed="rId4">
+            <a:lum bright="70000" contrast="-70000"/>
+            <a:extLst>
+              <a:ext uri="{28A0092B-C50C-407E-A947-70E740481C1C}">
+                <a14:useLocalDpi xmlns:a14="http://schemas.microsoft.com/office/drawing/2010/main" val="0"/>
+              </a:ext>
+            </a:extLst>
+          </a:blip>
+          <a:stretch>
+            <a:fillRect/>
+          </a:stretch>
+        </p:blipFill>
+        <p:spPr>
+          <a:xfrm>
+            <a:off x="375086" y="4580546"/>
+            <a:ext cx="1219200" cy="1219200"/>
+          </a:xfrm>
+          <a:prstGeom prst="rect">
+            <a:avLst/>
+          </a:prstGeom>
+        </p:spPr>
+      </p:pic>
+      <p:pic>
+        <p:nvPicPr>
+          <p:cNvPr id="5" name="Picture 4"/>
+          <p:cNvPicPr>
+            <a:picLocks noChangeAspect="1"/>
+          </p:cNvPicPr>
+          <p:nvPr/>
+        </p:nvPicPr>
+        <p:blipFill>
+          <a:blip r:embed="rId5">
+            <a:lum bright="70000" contrast="-70000"/>
+            <a:extLst>
+              <a:ext uri="{28A0092B-C50C-407E-A947-70E740481C1C}">
+                <a14:useLocalDpi xmlns:a14="http://schemas.microsoft.com/office/drawing/2010/main" val="0"/>
+              </a:ext>
+            </a:extLst>
+          </a:blip>
+          <a:stretch>
+            <a:fillRect/>
+          </a:stretch>
+        </p:blipFill>
+        <p:spPr>
+          <a:xfrm>
+            <a:off x="355657" y="3046830"/>
+            <a:ext cx="1219200" cy="1219200"/>
+          </a:xfrm>
+          <a:prstGeom prst="rect">
+            <a:avLst/>
+          </a:prstGeom>
+        </p:spPr>
+      </p:pic>
+      <p:pic>
+        <p:nvPicPr>
+          <p:cNvPr id="6" name="Picture 5"/>
+          <p:cNvPicPr>
+            <a:picLocks noChangeAspect="1"/>
+          </p:cNvPicPr>
+          <p:nvPr/>
+        </p:nvPicPr>
+        <p:blipFill>
+          <a:blip r:embed="rId6">
+            <a:lum bright="70000" contrast="-70000"/>
+            <a:extLst>
+              <a:ext uri="{28A0092B-C50C-407E-A947-70E740481C1C}">
+                <a14:useLocalDpi xmlns:a14="http://schemas.microsoft.com/office/drawing/2010/main" val="0"/>
+              </a:ext>
+            </a:extLst>
+          </a:blip>
+          <a:stretch>
+            <a:fillRect/>
+          </a:stretch>
+        </p:blipFill>
+        <p:spPr>
+          <a:xfrm>
+            <a:off x="2065943" y="219000"/>
+            <a:ext cx="1219200" cy="1219200"/>
+          </a:xfrm>
+          <a:prstGeom prst="rect">
+            <a:avLst/>
+          </a:prstGeom>
+        </p:spPr>
+      </p:pic>
+      <p:pic>
+        <p:nvPicPr>
+          <p:cNvPr id="7" name="Picture 6"/>
+          <p:cNvPicPr>
+            <a:picLocks noChangeAspect="1"/>
+          </p:cNvPicPr>
+          <p:nvPr/>
+        </p:nvPicPr>
+        <p:blipFill>
+          <a:blip r:embed="rId7">
+            <a:lum bright="70000" contrast="-70000"/>
+            <a:extLst>
+              <a:ext uri="{28A0092B-C50C-407E-A947-70E740481C1C}">
+                <a14:useLocalDpi xmlns:a14="http://schemas.microsoft.com/office/drawing/2010/main" val="0"/>
+              </a:ext>
+            </a:extLst>
+          </a:blip>
+          <a:stretch>
+            <a:fillRect/>
+          </a:stretch>
+        </p:blipFill>
+        <p:spPr>
+          <a:xfrm>
+            <a:off x="2065943" y="3100200"/>
+            <a:ext cx="1219200" cy="1219200"/>
+          </a:xfrm>
+          <a:prstGeom prst="rect">
+            <a:avLst/>
+          </a:prstGeom>
+        </p:spPr>
+      </p:pic>
+      <p:pic>
+        <p:nvPicPr>
+          <p:cNvPr id="8" name="Picture 7"/>
+          <p:cNvPicPr>
+            <a:picLocks noChangeAspect="1"/>
+          </p:cNvPicPr>
+          <p:nvPr/>
+        </p:nvPicPr>
+        <p:blipFill>
+          <a:blip r:embed="rId8">
+            <a:lum bright="70000" contrast="-70000"/>
+            <a:extLst>
+              <a:ext uri="{28A0092B-C50C-407E-A947-70E740481C1C}">
+                <a14:useLocalDpi xmlns:a14="http://schemas.microsoft.com/office/drawing/2010/main" val="0"/>
+              </a:ext>
+            </a:extLst>
+          </a:blip>
+          <a:stretch>
+            <a:fillRect/>
+          </a:stretch>
+        </p:blipFill>
+        <p:spPr>
+          <a:xfrm>
+            <a:off x="1974058" y="1670372"/>
+            <a:ext cx="1219200" cy="1219200"/>
+          </a:xfrm>
+          <a:prstGeom prst="rect">
+            <a:avLst/>
+          </a:prstGeom>
+        </p:spPr>
+      </p:pic>
+      <p:pic>
+        <p:nvPicPr>
+          <p:cNvPr id="9" name="Picture 8"/>
+          <p:cNvPicPr>
+            <a:picLocks noChangeAspect="1"/>
+          </p:cNvPicPr>
+          <p:nvPr/>
+        </p:nvPicPr>
+        <p:blipFill>
+          <a:blip r:embed="rId9">
+            <a:lum bright="70000" contrast="-70000"/>
+            <a:extLst>
+              <a:ext uri="{28A0092B-C50C-407E-A947-70E740481C1C}">
+                <a14:useLocalDpi xmlns:a14="http://schemas.microsoft.com/office/drawing/2010/main" val="0"/>
+              </a:ext>
+            </a:extLst>
+          </a:blip>
+          <a:stretch>
+            <a:fillRect/>
+          </a:stretch>
+        </p:blipFill>
+        <p:spPr>
+          <a:xfrm>
+            <a:off x="2030971" y="4594343"/>
+            <a:ext cx="1219200" cy="1219200"/>
+          </a:xfrm>
+          <a:prstGeom prst="rect">
+            <a:avLst/>
+          </a:prstGeom>
+        </p:spPr>
+      </p:pic>
+      <p:pic>
+        <p:nvPicPr>
+          <p:cNvPr id="10" name="Picture 9"/>
+          <p:cNvPicPr>
+            <a:picLocks noChangeAspect="1"/>
+          </p:cNvPicPr>
+          <p:nvPr/>
+        </p:nvPicPr>
+        <p:blipFill>
+          <a:blip r:embed="rId10">
+            <a:lum bright="70000" contrast="-70000"/>
+            <a:extLst>
+              <a:ext uri="{28A0092B-C50C-407E-A947-70E740481C1C}">
+                <a14:useLocalDpi xmlns:a14="http://schemas.microsoft.com/office/drawing/2010/main" val="0"/>
+              </a:ext>
+            </a:extLst>
+          </a:blip>
+          <a:stretch>
+            <a:fillRect/>
+          </a:stretch>
+        </p:blipFill>
+        <p:spPr>
+          <a:xfrm>
+            <a:off x="3834343" y="219000"/>
+            <a:ext cx="1219200" cy="1219200"/>
+          </a:xfrm>
+          <a:prstGeom prst="rect">
+            <a:avLst/>
+          </a:prstGeom>
+        </p:spPr>
+      </p:pic>
+      <p:pic>
+        <p:nvPicPr>
+          <p:cNvPr id="11" name="Picture 10"/>
+          <p:cNvPicPr>
+            <a:picLocks noChangeAspect="1"/>
+          </p:cNvPicPr>
+          <p:nvPr/>
+        </p:nvPicPr>
+        <p:blipFill>
+          <a:blip r:embed="rId11">
+            <a:lum bright="70000" contrast="-70000"/>
+            <a:extLst>
+              <a:ext uri="{28A0092B-C50C-407E-A947-70E740481C1C}">
+                <a14:useLocalDpi xmlns:a14="http://schemas.microsoft.com/office/drawing/2010/main" val="0"/>
+              </a:ext>
+            </a:extLst>
+          </a:blip>
+          <a:stretch>
+            <a:fillRect/>
+          </a:stretch>
+        </p:blipFill>
+        <p:spPr>
+          <a:xfrm>
+            <a:off x="3939743" y="4580546"/>
+            <a:ext cx="1219200" cy="1219200"/>
+          </a:xfrm>
+          <a:prstGeom prst="rect">
+            <a:avLst/>
+          </a:prstGeom>
+        </p:spPr>
+      </p:pic>
+      <p:pic>
+        <p:nvPicPr>
+          <p:cNvPr id="12" name="Picture 11"/>
+          <p:cNvPicPr>
+            <a:picLocks noChangeAspect="1"/>
+          </p:cNvPicPr>
+          <p:nvPr/>
+        </p:nvPicPr>
+        <p:blipFill>
+          <a:blip r:embed="rId12">
+            <a:lum bright="70000" contrast="-70000"/>
+            <a:extLst>
+              <a:ext uri="{28A0092B-C50C-407E-A947-70E740481C1C}">
+                <a14:useLocalDpi xmlns:a14="http://schemas.microsoft.com/office/drawing/2010/main" val="0"/>
+              </a:ext>
+            </a:extLst>
+          </a:blip>
+          <a:stretch>
+            <a:fillRect/>
+          </a:stretch>
+        </p:blipFill>
+        <p:spPr>
+          <a:xfrm>
+            <a:off x="3894857" y="1708115"/>
+            <a:ext cx="1219200" cy="1219200"/>
+          </a:xfrm>
+          <a:prstGeom prst="rect">
+            <a:avLst/>
+          </a:prstGeom>
+        </p:spPr>
+      </p:pic>
+      <p:pic>
+        <p:nvPicPr>
+          <p:cNvPr id="13" name="Picture 12"/>
+          <p:cNvPicPr>
+            <a:picLocks noChangeAspect="1"/>
+          </p:cNvPicPr>
+          <p:nvPr/>
+        </p:nvPicPr>
+        <p:blipFill>
+          <a:blip r:embed="rId13">
+            <a:lum bright="70000" contrast="-70000"/>
+            <a:extLst>
+              <a:ext uri="{28A0092B-C50C-407E-A947-70E740481C1C}">
+                <a14:useLocalDpi xmlns:a14="http://schemas.microsoft.com/office/drawing/2010/main" val="0"/>
+              </a:ext>
+            </a:extLst>
+          </a:blip>
+          <a:stretch>
+            <a:fillRect/>
+          </a:stretch>
+        </p:blipFill>
+        <p:spPr>
+          <a:xfrm>
+            <a:off x="3941886" y="3046830"/>
+            <a:ext cx="1219200" cy="1219200"/>
+          </a:xfrm>
+          <a:prstGeom prst="rect">
+            <a:avLst/>
+          </a:prstGeom>
+        </p:spPr>
+      </p:pic>
+      <p:pic>
+        <p:nvPicPr>
+          <p:cNvPr id="14" name="Picture 13"/>
+          <p:cNvPicPr>
+            <a:picLocks noChangeAspect="1"/>
+          </p:cNvPicPr>
+          <p:nvPr/>
+        </p:nvPicPr>
+        <p:blipFill>
+          <a:blip r:embed="rId14">
+            <a:lum bright="70000" contrast="-70000"/>
+            <a:extLst>
+              <a:ext uri="{28A0092B-C50C-407E-A947-70E740481C1C}">
+                <a14:useLocalDpi xmlns:a14="http://schemas.microsoft.com/office/drawing/2010/main" val="0"/>
+              </a:ext>
+            </a:extLst>
+          </a:blip>
+          <a:stretch>
+            <a:fillRect/>
+          </a:stretch>
+        </p:blipFill>
+        <p:spPr>
+          <a:xfrm>
+            <a:off x="5571372" y="1767343"/>
+            <a:ext cx="1219200" cy="1219200"/>
+          </a:xfrm>
+          <a:prstGeom prst="rect">
+            <a:avLst/>
+          </a:prstGeom>
+        </p:spPr>
+      </p:pic>
+      <p:pic>
+        <p:nvPicPr>
+          <p:cNvPr id="15" name="Picture 14"/>
+          <p:cNvPicPr>
+            <a:picLocks noChangeAspect="1"/>
+          </p:cNvPicPr>
+          <p:nvPr/>
+        </p:nvPicPr>
+        <p:blipFill>
+          <a:blip r:embed="rId15">
+            <a:lum bright="70000" contrast="-70000"/>
+            <a:extLst>
+              <a:ext uri="{28A0092B-C50C-407E-A947-70E740481C1C}">
+                <a14:useLocalDpi xmlns:a14="http://schemas.microsoft.com/office/drawing/2010/main" val="0"/>
+              </a:ext>
+            </a:extLst>
+          </a:blip>
+          <a:stretch>
+            <a:fillRect/>
+          </a:stretch>
+        </p:blipFill>
+        <p:spPr>
+          <a:xfrm>
+            <a:off x="5602743" y="293914"/>
+            <a:ext cx="1219200" cy="1219200"/>
+          </a:xfrm>
+          <a:prstGeom prst="rect">
+            <a:avLst/>
+          </a:prstGeom>
+        </p:spPr>
+      </p:pic>
+      <p:pic>
+        <p:nvPicPr>
+          <p:cNvPr id="16" name="Picture 15"/>
+          <p:cNvPicPr>
+            <a:picLocks noChangeAspect="1"/>
+          </p:cNvPicPr>
+          <p:nvPr/>
+        </p:nvPicPr>
+        <p:blipFill>
+          <a:blip r:embed="rId16">
+            <a:lum bright="70000" contrast="-70000"/>
+            <a:extLst>
+              <a:ext uri="{28A0092B-C50C-407E-A947-70E740481C1C}">
+                <a14:useLocalDpi xmlns:a14="http://schemas.microsoft.com/office/drawing/2010/main" val="0"/>
+              </a:ext>
+            </a:extLst>
+          </a:blip>
+          <a:stretch>
+            <a:fillRect/>
+          </a:stretch>
+        </p:blipFill>
+        <p:spPr>
+          <a:xfrm>
+            <a:off x="5571372" y="3240772"/>
+            <a:ext cx="1219200" cy="1219200"/>
+          </a:xfrm>
+          <a:prstGeom prst="rect">
+            <a:avLst/>
+          </a:prstGeom>
+        </p:spPr>
+      </p:pic>
+      <p:pic>
+        <p:nvPicPr>
+          <p:cNvPr id="17" name="Picture 16"/>
+          <p:cNvPicPr>
+            <a:picLocks noChangeAspect="1"/>
+          </p:cNvPicPr>
+          <p:nvPr/>
+        </p:nvPicPr>
+        <p:blipFill>
+          <a:blip r:embed="rId17">
+            <a:lum bright="70000" contrast="-70000"/>
+            <a:extLst>
+              <a:ext uri="{28A0092B-C50C-407E-A947-70E740481C1C}">
+                <a14:useLocalDpi xmlns:a14="http://schemas.microsoft.com/office/drawing/2010/main" val="0"/>
+              </a:ext>
+            </a:extLst>
+          </a:blip>
+          <a:stretch>
+            <a:fillRect/>
+          </a:stretch>
+        </p:blipFill>
+        <p:spPr>
+          <a:xfrm>
+            <a:off x="7117200" y="388543"/>
+            <a:ext cx="1219200" cy="1219200"/>
+          </a:xfrm>
+          <a:prstGeom prst="rect">
+            <a:avLst/>
+          </a:prstGeom>
+        </p:spPr>
+      </p:pic>
+      <p:pic>
+        <p:nvPicPr>
+          <p:cNvPr id="18" name="Picture 17"/>
+          <p:cNvPicPr>
+            <a:picLocks noChangeAspect="1"/>
+          </p:cNvPicPr>
+          <p:nvPr/>
+        </p:nvPicPr>
+        <p:blipFill>
+          <a:blip r:embed="rId18">
+            <a:lum bright="70000" contrast="-70000"/>
+            <a:extLst>
+              <a:ext uri="{28A0092B-C50C-407E-A947-70E740481C1C}">
+                <a14:useLocalDpi xmlns:a14="http://schemas.microsoft.com/office/drawing/2010/main" val="0"/>
+              </a:ext>
+            </a:extLst>
+          </a:blip>
+          <a:stretch>
+            <a:fillRect/>
+          </a:stretch>
+        </p:blipFill>
+        <p:spPr>
+          <a:xfrm>
+            <a:off x="7211944" y="1819487"/>
+            <a:ext cx="1219200" cy="1219200"/>
+          </a:xfrm>
+          <a:prstGeom prst="rect">
+            <a:avLst/>
+          </a:prstGeom>
+        </p:spPr>
+      </p:pic>
+      <p:pic>
+        <p:nvPicPr>
+          <p:cNvPr id="19" name="Picture 18"/>
+          <p:cNvPicPr>
+            <a:picLocks noChangeAspect="1"/>
+          </p:cNvPicPr>
+          <p:nvPr/>
+        </p:nvPicPr>
+        <p:blipFill>
+          <a:blip r:embed="rId19">
+            <a:lum bright="70000" contrast="-70000"/>
+            <a:extLst>
+              <a:ext uri="{28A0092B-C50C-407E-A947-70E740481C1C}">
+                <a14:useLocalDpi xmlns:a14="http://schemas.microsoft.com/office/drawing/2010/main" val="0"/>
+              </a:ext>
+            </a:extLst>
+          </a:blip>
+          <a:stretch>
+            <a:fillRect/>
+          </a:stretch>
+        </p:blipFill>
+        <p:spPr>
+          <a:xfrm>
+            <a:off x="5624857" y="4609800"/>
+            <a:ext cx="1219200" cy="1219200"/>
+          </a:xfrm>
+          <a:prstGeom prst="rect">
+            <a:avLst/>
+          </a:prstGeom>
+        </p:spPr>
+      </p:pic>
+      <p:pic>
+        <p:nvPicPr>
+          <p:cNvPr id="20" name="Picture 19"/>
+          <p:cNvPicPr>
+            <a:picLocks noChangeAspect="1"/>
+          </p:cNvPicPr>
+          <p:nvPr/>
+        </p:nvPicPr>
+        <p:blipFill>
+          <a:blip r:embed="rId20">
+            <a:lum bright="70000" contrast="-70000"/>
+            <a:extLst>
+              <a:ext uri="{28A0092B-C50C-407E-A947-70E740481C1C}">
+                <a14:useLocalDpi xmlns:a14="http://schemas.microsoft.com/office/drawing/2010/main" val="0"/>
+              </a:ext>
+            </a:extLst>
+          </a:blip>
+          <a:stretch>
+            <a:fillRect/>
+          </a:stretch>
+        </p:blipFill>
+        <p:spPr>
+          <a:xfrm>
+            <a:off x="7284514" y="3295545"/>
+            <a:ext cx="1219200" cy="1219200"/>
+          </a:xfrm>
+          <a:prstGeom prst="rect">
+            <a:avLst/>
+          </a:prstGeom>
+        </p:spPr>
+      </p:pic>
+      <p:pic>
+        <p:nvPicPr>
+          <p:cNvPr id="21" name="Picture 20"/>
+          <p:cNvPicPr>
+            <a:picLocks noChangeAspect="1"/>
+          </p:cNvPicPr>
+          <p:nvPr/>
+        </p:nvPicPr>
+        <p:blipFill>
+          <a:blip r:embed="rId21">
+            <a:lum bright="70000" contrast="-70000"/>
+            <a:extLst>
+              <a:ext uri="{28A0092B-C50C-407E-A947-70E740481C1C}">
+                <a14:useLocalDpi xmlns:a14="http://schemas.microsoft.com/office/drawing/2010/main" val="0"/>
+              </a:ext>
+            </a:extLst>
+          </a:blip>
+          <a:stretch>
+            <a:fillRect/>
+          </a:stretch>
+        </p:blipFill>
+        <p:spPr>
+          <a:xfrm>
+            <a:off x="7309971" y="4675172"/>
+            <a:ext cx="1219200" cy="1219200"/>
+          </a:xfrm>
+          <a:prstGeom prst="rect">
+            <a:avLst/>
+          </a:prstGeom>
+        </p:spPr>
+      </p:pic>
+      <p:pic>
+        <p:nvPicPr>
+          <p:cNvPr id="22" name="Picture 21"/>
+          <p:cNvPicPr>
+            <a:picLocks noChangeAspect="1"/>
+          </p:cNvPicPr>
+          <p:nvPr/>
+        </p:nvPicPr>
+        <p:blipFill>
+          <a:blip r:embed="rId22">
+            <a:lum bright="70000" contrast="-70000"/>
+            <a:extLst>
+              <a:ext uri="{28A0092B-C50C-407E-A947-70E740481C1C}">
+                <a14:useLocalDpi xmlns:a14="http://schemas.microsoft.com/office/drawing/2010/main" val="0"/>
+              </a:ext>
+            </a:extLst>
+          </a:blip>
+          <a:stretch>
+            <a:fillRect/>
+          </a:stretch>
+        </p:blipFill>
+        <p:spPr>
+          <a:xfrm>
+            <a:off x="8636400" y="399829"/>
+            <a:ext cx="1219200" cy="1219200"/>
+          </a:xfrm>
+          <a:prstGeom prst="rect">
+            <a:avLst/>
+          </a:prstGeom>
+        </p:spPr>
+      </p:pic>
+      <p:pic>
+        <p:nvPicPr>
+          <p:cNvPr id="23" name="Picture 22"/>
+          <p:cNvPicPr>
+            <a:picLocks noChangeAspect="1"/>
+          </p:cNvPicPr>
+          <p:nvPr/>
+        </p:nvPicPr>
+        <p:blipFill>
+          <a:blip r:embed="rId23">
+            <a:lum bright="70000" contrast="-70000"/>
+            <a:extLst>
+              <a:ext uri="{28A0092B-C50C-407E-A947-70E740481C1C}">
+                <a14:useLocalDpi xmlns:a14="http://schemas.microsoft.com/office/drawing/2010/main" val="0"/>
+              </a:ext>
+            </a:extLst>
+          </a:blip>
+          <a:stretch>
+            <a:fillRect/>
+          </a:stretch>
+        </p:blipFill>
+        <p:spPr>
+          <a:xfrm>
+            <a:off x="10392629" y="488915"/>
+            <a:ext cx="1219200" cy="1219200"/>
+          </a:xfrm>
+          <a:prstGeom prst="rect">
+            <a:avLst/>
+          </a:prstGeom>
+        </p:spPr>
+      </p:pic>
+      <p:pic>
+        <p:nvPicPr>
+          <p:cNvPr id="24" name="Picture 23"/>
+          <p:cNvPicPr>
+            <a:picLocks noChangeAspect="1"/>
+          </p:cNvPicPr>
+          <p:nvPr/>
+        </p:nvPicPr>
+        <p:blipFill>
+          <a:blip r:embed="rId24">
+            <a:lum bright="70000" contrast="-70000"/>
+            <a:extLst>
+              <a:ext uri="{28A0092B-C50C-407E-A947-70E740481C1C}">
+                <a14:useLocalDpi xmlns:a14="http://schemas.microsoft.com/office/drawing/2010/main" val="0"/>
+              </a:ext>
+            </a:extLst>
+          </a:blip>
+          <a:stretch>
+            <a:fillRect/>
+          </a:stretch>
+        </p:blipFill>
+        <p:spPr>
+          <a:xfrm>
+            <a:off x="8731257" y="1827630"/>
+            <a:ext cx="1219200" cy="1219200"/>
+          </a:xfrm>
+          <a:prstGeom prst="rect">
+            <a:avLst/>
+          </a:prstGeom>
+        </p:spPr>
+      </p:pic>
+      <p:pic>
+        <p:nvPicPr>
+          <p:cNvPr id="25" name="Picture 24"/>
+          <p:cNvPicPr>
+            <a:picLocks noChangeAspect="1"/>
+          </p:cNvPicPr>
+          <p:nvPr/>
+        </p:nvPicPr>
+        <p:blipFill>
+          <a:blip r:embed="rId25">
+            <a:lum bright="70000" contrast="-70000"/>
+            <a:extLst>
+              <a:ext uri="{28A0092B-C50C-407E-A947-70E740481C1C}">
+                <a14:useLocalDpi xmlns:a14="http://schemas.microsoft.com/office/drawing/2010/main" val="0"/>
+              </a:ext>
+            </a:extLst>
+          </a:blip>
+          <a:stretch>
+            <a:fillRect/>
+          </a:stretch>
+        </p:blipFill>
+        <p:spPr>
+          <a:xfrm>
+            <a:off x="8784057" y="4774428"/>
+            <a:ext cx="1219200" cy="1219200"/>
+          </a:xfrm>
+          <a:prstGeom prst="rect">
+            <a:avLst/>
+          </a:prstGeom>
+        </p:spPr>
+      </p:pic>
+      <p:pic>
+        <p:nvPicPr>
+          <p:cNvPr id="26" name="Picture 25"/>
+          <p:cNvPicPr>
+            <a:picLocks noChangeAspect="1"/>
+          </p:cNvPicPr>
+          <p:nvPr/>
+        </p:nvPicPr>
+        <p:blipFill>
+          <a:blip r:embed="rId26">
+            <a:lum bright="70000" contrast="-70000"/>
+            <a:extLst>
+              <a:ext uri="{28A0092B-C50C-407E-A947-70E740481C1C}">
+                <a14:useLocalDpi xmlns:a14="http://schemas.microsoft.com/office/drawing/2010/main" val="0"/>
+              </a:ext>
+            </a:extLst>
+          </a:blip>
+          <a:stretch>
+            <a:fillRect/>
+          </a:stretch>
+        </p:blipFill>
+        <p:spPr>
+          <a:xfrm>
+            <a:off x="10396399" y="3390600"/>
+            <a:ext cx="1219200" cy="1219200"/>
+          </a:xfrm>
+          <a:prstGeom prst="rect">
+            <a:avLst/>
+          </a:prstGeom>
+        </p:spPr>
+      </p:pic>
+      <p:pic>
+        <p:nvPicPr>
+          <p:cNvPr id="27" name="Picture 26"/>
+          <p:cNvPicPr>
+            <a:picLocks noChangeAspect="1"/>
+          </p:cNvPicPr>
+          <p:nvPr/>
+        </p:nvPicPr>
+        <p:blipFill>
+          <a:blip r:embed="rId27">
+            <a:lum bright="70000" contrast="-70000"/>
+            <a:extLst>
+              <a:ext uri="{28A0092B-C50C-407E-A947-70E740481C1C}">
+                <a14:useLocalDpi xmlns:a14="http://schemas.microsoft.com/office/drawing/2010/main" val="0"/>
+              </a:ext>
+            </a:extLst>
+          </a:blip>
+          <a:stretch>
+            <a:fillRect/>
+          </a:stretch>
+        </p:blipFill>
+        <p:spPr>
+          <a:xfrm>
+            <a:off x="10349658" y="2076345"/>
+            <a:ext cx="1219200" cy="1219200"/>
+          </a:xfrm>
+          <a:prstGeom prst="rect">
+            <a:avLst/>
+          </a:prstGeom>
+        </p:spPr>
+      </p:pic>
+      <p:pic>
+        <p:nvPicPr>
+          <p:cNvPr id="28" name="Picture 27"/>
+          <p:cNvPicPr>
+            <a:picLocks noChangeAspect="1"/>
+          </p:cNvPicPr>
+          <p:nvPr/>
+        </p:nvPicPr>
+        <p:blipFill>
+          <a:blip r:embed="rId28">
+            <a:lum bright="70000" contrast="-70000"/>
+            <a:extLst>
+              <a:ext uri="{28A0092B-C50C-407E-A947-70E740481C1C}">
+                <a14:useLocalDpi xmlns:a14="http://schemas.microsoft.com/office/drawing/2010/main" val="0"/>
+              </a:ext>
+            </a:extLst>
+          </a:blip>
+          <a:stretch>
+            <a:fillRect/>
+          </a:stretch>
+        </p:blipFill>
+        <p:spPr>
+          <a:xfrm>
+            <a:off x="8773943" y="3438915"/>
+            <a:ext cx="1219200" cy="1219200"/>
+          </a:xfrm>
+          <a:prstGeom prst="rect">
+            <a:avLst/>
+          </a:prstGeom>
+        </p:spPr>
+      </p:pic>
+    </p:spTree>
+    <p:extLst>
+      <p:ext uri="{BB962C8B-B14F-4D97-AF65-F5344CB8AC3E}">
+        <p14:creationId xmlns:p14="http://schemas.microsoft.com/office/powerpoint/2010/main" val="214978686"/>
+      </p:ext>
+    </p:extLst>
+  </p:cSld>
+  <p:clrMapOvr>
+    <a:masterClrMapping/>
+  </p:clrMapOvr>
+</p:sld>
+</file>
+
+<file path=ppt/slides/slide41.xml><?xml version="1.0" encoding="utf-8"?>
+<p:sld xmlns:a="http://schemas.openxmlformats.org/drawingml/2006/main" xmlns:r="http://schemas.openxmlformats.org/officeDocument/2006/relationships" xmlns:p="http://schemas.openxmlformats.org/presentationml/2006/main" show="0">
+  <p:cSld>
+    <p:spTree>
+      <p:nvGrpSpPr>
+        <p:cNvPr id="1" name=""/>
+        <p:cNvGrpSpPr/>
+        <p:nvPr/>
+      </p:nvGrpSpPr>
+      <p:grpSpPr>
+        <a:xfrm>
+          <a:off x="0" y="0"/>
+          <a:ext cx="0" cy="0"/>
+          <a:chOff x="0" y="0"/>
+          <a:chExt cx="0" cy="0"/>
+        </a:xfrm>
+      </p:grpSpPr>
+      <p:pic>
+        <p:nvPicPr>
+          <p:cNvPr id="2" name="Picture 1"/>
+          <p:cNvPicPr>
+            <a:picLocks noChangeAspect="1"/>
+          </p:cNvPicPr>
+          <p:nvPr/>
+        </p:nvPicPr>
+        <p:blipFill>
+          <a:blip r:embed="rId2">
+            <a:lum bright="70000" contrast="-70000"/>
+            <a:extLst>
+              <a:ext uri="{28A0092B-C50C-407E-A947-70E740481C1C}">
+                <a14:useLocalDpi xmlns:a14="http://schemas.microsoft.com/office/drawing/2010/main" val="0"/>
+              </a:ext>
+            </a:extLst>
+          </a:blip>
+          <a:stretch>
+            <a:fillRect/>
+          </a:stretch>
+        </p:blipFill>
+        <p:spPr>
+          <a:xfrm>
             <a:off x="304800" y="373743"/>
             <a:ext cx="1219200" cy="1219200"/>
           </a:xfrm>
@@ -17637,7 +17906,7 @@
 </p:sld>
 </file>
 
-<file path=ppt/slides/slide41.xml><?xml version="1.0" encoding="utf-8"?>
+<file path=ppt/slides/slide42.xml><?xml version="1.0" encoding="utf-8"?>
 <p:sld xmlns:a="http://schemas.openxmlformats.org/drawingml/2006/main" xmlns:r="http://schemas.openxmlformats.org/officeDocument/2006/relationships" xmlns:p="http://schemas.openxmlformats.org/presentationml/2006/main" show="0">
   <p:cSld>
     <p:spTree>
@@ -19094,21 +19363,6 @@
 </file>
 
 <file path=customXml/item1.xml><?xml version="1.0" encoding="utf-8"?>
-<?mso-contentType ?>
-<FormTemplates xmlns="http://schemas.microsoft.com/sharepoint/v3/contenttype/forms">
-  <Display>DocumentLibraryForm</Display>
-  <Edit>DocumentLibraryForm</Edit>
-  <New>DocumentLibraryForm</New>
-</FormTemplates>
-</file>
-
-<file path=customXml/item2.xml><?xml version="1.0" encoding="utf-8"?>
-<p:properties xmlns:p="http://schemas.microsoft.com/office/2006/metadata/properties" xmlns:xsi="http://www.w3.org/2001/XMLSchema-instance" xmlns:pc="http://schemas.microsoft.com/office/infopath/2007/PartnerControls">
-  <documentManagement/>
-</p:properties>
-</file>
-
-<file path=customXml/item3.xml><?xml version="1.0" encoding="utf-8"?>
 <ct:contentTypeSchema xmlns:ct="http://schemas.microsoft.com/office/2006/metadata/contentType" xmlns:ma="http://schemas.microsoft.com/office/2006/metadata/properties/metaAttributes" ct:_="" ma:_="" ma:contentTypeName="Document" ma:contentTypeID="0x010100CFD7474EC5F9804A8C0915A0D2B3E72B" ma:contentTypeVersion="4" ma:contentTypeDescription="Create a new document." ma:contentTypeScope="" ma:versionID="de38eceb8279c5739942d67beb054da6">
   <xsd:schema xmlns:xsd="http://www.w3.org/2001/XMLSchema" xmlns:xs="http://www.w3.org/2001/XMLSchema" xmlns:p="http://schemas.microsoft.com/office/2006/metadata/properties" xmlns:ns2="437d3976-146d-487e-9b32-45ade7cdb3c3" xmlns:ns3="ba924082-f255-4689-bc14-7c311a17681c" targetNamespace="http://schemas.microsoft.com/office/2006/metadata/properties" ma:root="true" ma:fieldsID="007267475d84ef70300470070773cadf" ns2:_="" ns3:_="">
     <xsd:import namespace="437d3976-146d-487e-9b32-45ade7cdb3c3"/>
@@ -19273,10 +19527,36 @@
 </ct:contentTypeSchema>
 </file>
 
+<file path=customXml/item2.xml><?xml version="1.0" encoding="utf-8"?>
+<p:properties xmlns:p="http://schemas.microsoft.com/office/2006/metadata/properties" xmlns:xsi="http://www.w3.org/2001/XMLSchema-instance" xmlns:pc="http://schemas.microsoft.com/office/infopath/2007/PartnerControls">
+  <documentManagement/>
+</p:properties>
+</file>
+
+<file path=customXml/item3.xml><?xml version="1.0" encoding="utf-8"?>
+<?mso-contentType ?>
+<FormTemplates xmlns="http://schemas.microsoft.com/sharepoint/v3/contenttype/forms">
+  <Display>DocumentLibraryForm</Display>
+  <Edit>DocumentLibraryForm</Edit>
+  <New>DocumentLibraryForm</New>
+</FormTemplates>
+</file>
+
 <file path=customXml/itemProps1.xml><?xml version="1.0" encoding="utf-8"?>
-<ds:datastoreItem xmlns:ds="http://schemas.openxmlformats.org/officeDocument/2006/customXml" ds:itemID="{8F9099B0-B9E3-45A6-848D-7EA25626C078}">
+<ds:datastoreItem xmlns:ds="http://schemas.openxmlformats.org/officeDocument/2006/customXml" ds:itemID="{0ED4AD53-31E2-4B86-A289-FCB19B3987C9}">
   <ds:schemaRefs>
-    <ds:schemaRef ds:uri="http://schemas.microsoft.com/sharepoint/v3/contenttype/forms"/>
+    <ds:schemaRef ds:uri="http://schemas.microsoft.com/office/2006/metadata/contentType"/>
+    <ds:schemaRef ds:uri="http://schemas.microsoft.com/office/2006/metadata/properties/metaAttributes"/>
+    <ds:schemaRef ds:uri="http://www.w3.org/2001/XMLSchema"/>
+    <ds:schemaRef ds:uri="http://schemas.microsoft.com/office/2006/metadata/properties"/>
+    <ds:schemaRef ds:uri="437d3976-146d-487e-9b32-45ade7cdb3c3"/>
+    <ds:schemaRef ds:uri="ba924082-f255-4689-bc14-7c311a17681c"/>
+    <ds:schemaRef ds:uri="http://schemas.microsoft.com/office/2006/documentManagement/types"/>
+    <ds:schemaRef ds:uri="http://schemas.microsoft.com/office/infopath/2007/PartnerControls"/>
+    <ds:schemaRef ds:uri="http://schemas.openxmlformats.org/package/2006/metadata/core-properties"/>
+    <ds:schemaRef ds:uri="http://purl.org/dc/elements/1.1/"/>
+    <ds:schemaRef ds:uri="http://purl.org/dc/terms/"/>
+    <ds:schemaRef ds:uri="http://schemas.microsoft.com/internal/obd"/>
   </ds:schemaRefs>
 </ds:datastoreItem>
 </file>
@@ -19299,20 +19579,9 @@
 </file>
 
 <file path=customXml/itemProps3.xml><?xml version="1.0" encoding="utf-8"?>
-<ds:datastoreItem xmlns:ds="http://schemas.openxmlformats.org/officeDocument/2006/customXml" ds:itemID="{0ED4AD53-31E2-4B86-A289-FCB19B3987C9}">
+<ds:datastoreItem xmlns:ds="http://schemas.openxmlformats.org/officeDocument/2006/customXml" ds:itemID="{8F9099B0-B9E3-45A6-848D-7EA25626C078}">
   <ds:schemaRefs>
-    <ds:schemaRef ds:uri="http://schemas.microsoft.com/office/2006/metadata/contentType"/>
-    <ds:schemaRef ds:uri="http://schemas.microsoft.com/office/2006/metadata/properties/metaAttributes"/>
-    <ds:schemaRef ds:uri="http://www.w3.org/2001/XMLSchema"/>
-    <ds:schemaRef ds:uri="http://schemas.microsoft.com/office/2006/metadata/properties"/>
-    <ds:schemaRef ds:uri="437d3976-146d-487e-9b32-45ade7cdb3c3"/>
-    <ds:schemaRef ds:uri="ba924082-f255-4689-bc14-7c311a17681c"/>
-    <ds:schemaRef ds:uri="http://schemas.microsoft.com/office/2006/documentManagement/types"/>
-    <ds:schemaRef ds:uri="http://schemas.microsoft.com/office/infopath/2007/PartnerControls"/>
-    <ds:schemaRef ds:uri="http://schemas.openxmlformats.org/package/2006/metadata/core-properties"/>
-    <ds:schemaRef ds:uri="http://purl.org/dc/elements/1.1/"/>
-    <ds:schemaRef ds:uri="http://purl.org/dc/terms/"/>
-    <ds:schemaRef ds:uri="http://schemas.microsoft.com/internal/obd"/>
+    <ds:schemaRef ds:uri="http://schemas.microsoft.com/sharepoint/v3/contenttype/forms"/>
   </ds:schemaRefs>
 </ds:datastoreItem>
 </file>
--- a/PowerShell Script Analyzer Rules.pptx
+++ b/PowerShell Script Analyzer Rules.pptx
@@ -307,7 +307,7 @@
           <a:p>
             <a:fld id="{B5D3CCC3-18CC-4B70-9F8F-756BDB38F634}" type="datetimeFigureOut">
               <a:rPr lang="en-US" smtClean="0"/>
-              <a:t>5/1/2018</a:t>
+              <a:t>5/14/2018</a:t>
             </a:fld>
             <a:endParaRPr lang="en-US"/>
           </a:p>
@@ -694,7 +694,7 @@
                 <a:ea typeface="+mn-ea"/>
                 <a:cs typeface="+mn-cs"/>
               </a:rPr>
-              <a:t>A module that helps you adhere to coding "best practices".  Everyone codes a little bit differently but when it comes time for collaboration between team mates and the maintainability of code going forward it is important to adhere to agreed upon standards.  The PS Script analyzer can help you maintain high quality code and the code your peers / team.  This of it as a grammar auto-correct for your scripts..</a:t>
+              <a:t>A module that helps you adhere to coding "best practices".  Everyone codes a little bit differently but when it comes time for collaboration between team mates and the maintainability of code going forward it is important to adhere to agreed upon standards.  The PS Script analyzer can help you maintain high quality code and the code your peers / team.  Think of it as a grammar auto-correct for your scripts..</a:t>
             </a:r>
           </a:p>
           <a:p>
@@ -1862,6 +1862,29 @@
             </a:r>
           </a:p>
           <a:p>
+            <a:pPr marL="0" marR="0" lvl="0" indent="0" algn="l" defTabSz="914400" rtl="0" eaLnBrk="1" fontAlgn="auto" latinLnBrk="0" hangingPunct="1">
+              <a:lnSpc>
+                <a:spcPct val="100000"/>
+              </a:lnSpc>
+              <a:spcBef>
+                <a:spcPts val="0"/>
+              </a:spcBef>
+              <a:spcAft>
+                <a:spcPts val="0"/>
+              </a:spcAft>
+              <a:buClrTx/>
+              <a:buSzTx/>
+              <a:buFontTx/>
+              <a:buNone/>
+              <a:tabLst/>
+              <a:defRPr/>
+            </a:pPr>
+            <a:r>
+              <a:rPr lang="en-US" dirty="0"/>
+              <a:t>This can speed up your peer review by removing lots of simple and low hanging fruit.</a:t>
+            </a:r>
+          </a:p>
+          <a:p>
             <a:endParaRPr lang="en-US" sz="1200" kern="1200" dirty="0">
               <a:solidFill>
                 <a:schemeClr val="tx1"/>
@@ -2182,7 +2205,7 @@
                 <a:ea typeface="+mn-ea"/>
                 <a:cs typeface="+mn-cs"/>
               </a:rPr>
-              <a:t>Run this against all your Cis in ConfigMgr.</a:t>
+              <a:t>Run this against all your Cis in ConfigMgr. (win32_product)</a:t>
             </a:r>
           </a:p>
         </p:txBody>
@@ -7775,13 +7798,8 @@
           <a:p>
             <a:r>
               <a:rPr lang="en-US" dirty="0"/>
-              <a:t>Fredbainbridge.com @</a:t>
-            </a:r>
-            <a:r>
-              <a:rPr lang="en-US" dirty="0" err="1"/>
-              <a:t>FredBainbridge</a:t>
-            </a:r>
-            <a:endParaRPr lang="en-US" dirty="0"/>
+              <a:t>Fredbainbridge.com</a:t>
+            </a:r>
           </a:p>
           <a:p>
             <a:r>
@@ -7814,7 +7832,10 @@
             </a:r>
           </a:p>
           <a:p>
-            <a:endParaRPr lang="en-US" dirty="0"/>
+            <a:r>
+              <a:rPr lang="en-US" dirty="0"/>
+              <a:t>mnscug.org</a:t>
+            </a:r>
           </a:p>
           <a:p>
             <a:r>
@@ -9174,7 +9195,15 @@
           <a:p>
             <a:r>
               <a:rPr lang="en-US" dirty="0"/>
-              <a:t>Twitter Handle</a:t>
+              <a:t>@</a:t>
+            </a:r>
+            <a:r>
+              <a:rPr lang="en-US" dirty="0" err="1"/>
+              <a:t>JeffTheScripter</a:t>
+            </a:r>
+            <a:r>
+              <a:rPr lang="en-US" dirty="0"/>
+              <a:t>	</a:t>
             </a:r>
           </a:p>
         </p:txBody>
@@ -9196,7 +9225,7 @@
           <a:p>
             <a:r>
               <a:rPr lang="en-US" dirty="0"/>
-              <a:t>Awards, accomplishments, etc.</a:t>
+              <a:t>Accomplished Professional</a:t>
             </a:r>
           </a:p>
         </p:txBody>
@@ -9218,7 +9247,7 @@
           <a:p>
             <a:r>
               <a:rPr lang="en-US" dirty="0"/>
-              <a:t>Experience</a:t>
+              <a:t>15 years</a:t>
             </a:r>
           </a:p>
         </p:txBody>
@@ -9240,7 +9269,7 @@
           <a:p>
             <a:r>
               <a:rPr lang="en-US" dirty="0"/>
-              <a:t>Favorite something; e.g., food</a:t>
+              <a:t>Beer and Coffee</a:t>
             </a:r>
           </a:p>
         </p:txBody>
@@ -19363,6 +19392,21 @@
 </file>
 
 <file path=customXml/item1.xml><?xml version="1.0" encoding="utf-8"?>
+<?mso-contentType ?>
+<FormTemplates xmlns="http://schemas.microsoft.com/sharepoint/v3/contenttype/forms">
+  <Display>DocumentLibraryForm</Display>
+  <Edit>DocumentLibraryForm</Edit>
+  <New>DocumentLibraryForm</New>
+</FormTemplates>
+</file>
+
+<file path=customXml/item2.xml><?xml version="1.0" encoding="utf-8"?>
+<p:properties xmlns:p="http://schemas.microsoft.com/office/2006/metadata/properties" xmlns:xsi="http://www.w3.org/2001/XMLSchema-instance" xmlns:pc="http://schemas.microsoft.com/office/infopath/2007/PartnerControls">
+  <documentManagement/>
+</p:properties>
+</file>
+
+<file path=customXml/item3.xml><?xml version="1.0" encoding="utf-8"?>
 <ct:contentTypeSchema xmlns:ct="http://schemas.microsoft.com/office/2006/metadata/contentType" xmlns:ma="http://schemas.microsoft.com/office/2006/metadata/properties/metaAttributes" ct:_="" ma:_="" ma:contentTypeName="Document" ma:contentTypeID="0x010100CFD7474EC5F9804A8C0915A0D2B3E72B" ma:contentTypeVersion="4" ma:contentTypeDescription="Create a new document." ma:contentTypeScope="" ma:versionID="de38eceb8279c5739942d67beb054da6">
   <xsd:schema xmlns:xsd="http://www.w3.org/2001/XMLSchema" xmlns:xs="http://www.w3.org/2001/XMLSchema" xmlns:p="http://schemas.microsoft.com/office/2006/metadata/properties" xmlns:ns2="437d3976-146d-487e-9b32-45ade7cdb3c3" xmlns:ns3="ba924082-f255-4689-bc14-7c311a17681c" targetNamespace="http://schemas.microsoft.com/office/2006/metadata/properties" ma:root="true" ma:fieldsID="007267475d84ef70300470070773cadf" ns2:_="" ns3:_="">
     <xsd:import namespace="437d3976-146d-487e-9b32-45ade7cdb3c3"/>
@@ -19527,36 +19571,10 @@
 </ct:contentTypeSchema>
 </file>
 
-<file path=customXml/item2.xml><?xml version="1.0" encoding="utf-8"?>
-<p:properties xmlns:p="http://schemas.microsoft.com/office/2006/metadata/properties" xmlns:xsi="http://www.w3.org/2001/XMLSchema-instance" xmlns:pc="http://schemas.microsoft.com/office/infopath/2007/PartnerControls">
-  <documentManagement/>
-</p:properties>
-</file>
-
-<file path=customXml/item3.xml><?xml version="1.0" encoding="utf-8"?>
-<?mso-contentType ?>
-<FormTemplates xmlns="http://schemas.microsoft.com/sharepoint/v3/contenttype/forms">
-  <Display>DocumentLibraryForm</Display>
-  <Edit>DocumentLibraryForm</Edit>
-  <New>DocumentLibraryForm</New>
-</FormTemplates>
-</file>
-
 <file path=customXml/itemProps1.xml><?xml version="1.0" encoding="utf-8"?>
-<ds:datastoreItem xmlns:ds="http://schemas.openxmlformats.org/officeDocument/2006/customXml" ds:itemID="{0ED4AD53-31E2-4B86-A289-FCB19B3987C9}">
+<ds:datastoreItem xmlns:ds="http://schemas.openxmlformats.org/officeDocument/2006/customXml" ds:itemID="{8F9099B0-B9E3-45A6-848D-7EA25626C078}">
   <ds:schemaRefs>
-    <ds:schemaRef ds:uri="http://schemas.microsoft.com/office/2006/metadata/contentType"/>
-    <ds:schemaRef ds:uri="http://schemas.microsoft.com/office/2006/metadata/properties/metaAttributes"/>
-    <ds:schemaRef ds:uri="http://www.w3.org/2001/XMLSchema"/>
-    <ds:schemaRef ds:uri="http://schemas.microsoft.com/office/2006/metadata/properties"/>
-    <ds:schemaRef ds:uri="437d3976-146d-487e-9b32-45ade7cdb3c3"/>
-    <ds:schemaRef ds:uri="ba924082-f255-4689-bc14-7c311a17681c"/>
-    <ds:schemaRef ds:uri="http://schemas.microsoft.com/office/2006/documentManagement/types"/>
-    <ds:schemaRef ds:uri="http://schemas.microsoft.com/office/infopath/2007/PartnerControls"/>
-    <ds:schemaRef ds:uri="http://schemas.openxmlformats.org/package/2006/metadata/core-properties"/>
-    <ds:schemaRef ds:uri="http://purl.org/dc/elements/1.1/"/>
-    <ds:schemaRef ds:uri="http://purl.org/dc/terms/"/>
-    <ds:schemaRef ds:uri="http://schemas.microsoft.com/internal/obd"/>
+    <ds:schemaRef ds:uri="http://schemas.microsoft.com/sharepoint/v3/contenttype/forms"/>
   </ds:schemaRefs>
 </ds:datastoreItem>
 </file>
@@ -19579,9 +19597,20 @@
 </file>
 
 <file path=customXml/itemProps3.xml><?xml version="1.0" encoding="utf-8"?>
-<ds:datastoreItem xmlns:ds="http://schemas.openxmlformats.org/officeDocument/2006/customXml" ds:itemID="{8F9099B0-B9E3-45A6-848D-7EA25626C078}">
+<ds:datastoreItem xmlns:ds="http://schemas.openxmlformats.org/officeDocument/2006/customXml" ds:itemID="{0ED4AD53-31E2-4B86-A289-FCB19B3987C9}">
   <ds:schemaRefs>
-    <ds:schemaRef ds:uri="http://schemas.microsoft.com/sharepoint/v3/contenttype/forms"/>
+    <ds:schemaRef ds:uri="http://schemas.microsoft.com/office/2006/metadata/contentType"/>
+    <ds:schemaRef ds:uri="http://schemas.microsoft.com/office/2006/metadata/properties/metaAttributes"/>
+    <ds:schemaRef ds:uri="http://www.w3.org/2001/XMLSchema"/>
+    <ds:schemaRef ds:uri="http://schemas.microsoft.com/office/2006/metadata/properties"/>
+    <ds:schemaRef ds:uri="437d3976-146d-487e-9b32-45ade7cdb3c3"/>
+    <ds:schemaRef ds:uri="ba924082-f255-4689-bc14-7c311a17681c"/>
+    <ds:schemaRef ds:uri="http://schemas.microsoft.com/office/2006/documentManagement/types"/>
+    <ds:schemaRef ds:uri="http://schemas.microsoft.com/office/infopath/2007/PartnerControls"/>
+    <ds:schemaRef ds:uri="http://schemas.openxmlformats.org/package/2006/metadata/core-properties"/>
+    <ds:schemaRef ds:uri="http://purl.org/dc/elements/1.1/"/>
+    <ds:schemaRef ds:uri="http://purl.org/dc/terms/"/>
+    <ds:schemaRef ds:uri="http://schemas.microsoft.com/internal/obd"/>
   </ds:schemaRefs>
 </ds:datastoreItem>
 </file>